--- a/Présentation finale/Projet final ESIC – SOLUTEC.pptx
+++ b/Présentation finale/Projet final ESIC – SOLUTEC.pptx
@@ -110,6 +110,11 @@
       </a:defRPr>
     </a:lvl9pPr>
   </p:defaultTextStyle>
+  <p:extLst>
+    <p:ext uri="{EFAFB233-063F-42B5-8137-9DF3F51BA10A}">
+      <p15:sldGuideLst xmlns:p15="http://schemas.microsoft.com/office/powerpoint/2012/main"/>
+    </p:ext>
+  </p:extLst>
 </p:presentation>
 </file>
 
@@ -163,7 +168,7 @@
           <a:noFill/>
           <a:extLst>
             <a:ext uri="{909E8E84-426E-40dd-AFC4-6F175D3DCCD1}">
-              <a14:hiddenFill xmlns:a14="http://schemas.microsoft.com/office/drawing/2010/main" xmlns="">
+              <a14:hiddenFill xmlns="" xmlns:a14="http://schemas.microsoft.com/office/drawing/2010/main">
                 <a:solidFill>
                   <a:srgbClr val="FFFFFF"/>
                 </a:solidFill>
@@ -223,7 +228,7 @@
             </a:ln>
             <a:extLst>
               <a:ext uri="{91240B29-F687-4f45-9708-019B960494DF}">
-                <a14:hiddenLine xmlns:a14="http://schemas.microsoft.com/office/drawing/2010/main" xmlns="" w="9525">
+                <a14:hiddenLine xmlns="" xmlns:a14="http://schemas.microsoft.com/office/drawing/2010/main" w="9525">
                   <a:solidFill>
                     <a:srgbClr val="000000"/>
                   </a:solidFill>
@@ -313,7 +318,7 @@
             </a:ln>
             <a:extLst>
               <a:ext uri="{91240B29-F687-4f45-9708-019B960494DF}">
-                <a14:hiddenLine xmlns:a14="http://schemas.microsoft.com/office/drawing/2010/main" xmlns="" w="9525">
+                <a14:hiddenLine xmlns="" xmlns:a14="http://schemas.microsoft.com/office/drawing/2010/main" w="9525">
                   <a:solidFill>
                     <a:srgbClr val="000000"/>
                   </a:solidFill>
@@ -403,7 +408,7 @@
             </a:ln>
             <a:extLst>
               <a:ext uri="{91240B29-F687-4f45-9708-019B960494DF}">
-                <a14:hiddenLine xmlns:a14="http://schemas.microsoft.com/office/drawing/2010/main" xmlns="" w="9525">
+                <a14:hiddenLine xmlns="" xmlns:a14="http://schemas.microsoft.com/office/drawing/2010/main" w="9525">
                   <a:solidFill>
                     <a:srgbClr val="000000"/>
                   </a:solidFill>
@@ -437,7 +442,7 @@
             </a:ln>
             <a:extLst>
               <a:ext uri="{91240B29-F687-4f45-9708-019B960494DF}">
-                <a14:hiddenLine xmlns:a14="http://schemas.microsoft.com/office/drawing/2010/main" xmlns="" w="9525">
+                <a14:hiddenLine xmlns="" xmlns:a14="http://schemas.microsoft.com/office/drawing/2010/main" w="9525">
                   <a:solidFill>
                     <a:srgbClr val="000000"/>
                   </a:solidFill>
@@ -527,7 +532,7 @@
             </a:ln>
             <a:extLst>
               <a:ext uri="{91240B29-F687-4f45-9708-019B960494DF}">
-                <a14:hiddenLine xmlns:a14="http://schemas.microsoft.com/office/drawing/2010/main" xmlns="" w="9525">
+                <a14:hiddenLine xmlns="" xmlns:a14="http://schemas.microsoft.com/office/drawing/2010/main" w="9525">
                   <a:solidFill>
                     <a:srgbClr val="000000"/>
                   </a:solidFill>
@@ -589,7 +594,7 @@
             </a:ln>
             <a:extLst>
               <a:ext uri="{91240B29-F687-4f45-9708-019B960494DF}">
-                <a14:hiddenLine xmlns:a14="http://schemas.microsoft.com/office/drawing/2010/main" xmlns="" w="9525">
+                <a14:hiddenLine xmlns="" xmlns:a14="http://schemas.microsoft.com/office/drawing/2010/main" w="9525">
                   <a:solidFill>
                     <a:srgbClr val="000000"/>
                   </a:solidFill>
@@ -651,7 +656,7 @@
             </a:ln>
             <a:extLst>
               <a:ext uri="{91240B29-F687-4f45-9708-019B960494DF}">
-                <a14:hiddenLine xmlns:a14="http://schemas.microsoft.com/office/drawing/2010/main" xmlns="" w="9525">
+                <a14:hiddenLine xmlns="" xmlns:a14="http://schemas.microsoft.com/office/drawing/2010/main" w="9525">
                   <a:solidFill>
                     <a:srgbClr val="000000"/>
                   </a:solidFill>
@@ -741,7 +746,7 @@
             </a:ln>
             <a:extLst>
               <a:ext uri="{91240B29-F687-4f45-9708-019B960494DF}">
-                <a14:hiddenLine xmlns:a14="http://schemas.microsoft.com/office/drawing/2010/main" xmlns="" w="9525">
+                <a14:hiddenLine xmlns="" xmlns:a14="http://schemas.microsoft.com/office/drawing/2010/main" w="9525">
                   <a:solidFill>
                     <a:srgbClr val="000000"/>
                   </a:solidFill>
@@ -803,7 +808,7 @@
             </a:ln>
             <a:extLst>
               <a:ext uri="{91240B29-F687-4f45-9708-019B960494DF}">
-                <a14:hiddenLine xmlns:a14="http://schemas.microsoft.com/office/drawing/2010/main" xmlns="" w="9525">
+                <a14:hiddenLine xmlns="" xmlns:a14="http://schemas.microsoft.com/office/drawing/2010/main" w="9525">
                   <a:solidFill>
                     <a:srgbClr val="000000"/>
                   </a:solidFill>
@@ -865,7 +870,7 @@
             </a:ln>
             <a:extLst>
               <a:ext uri="{91240B29-F687-4f45-9708-019B960494DF}">
-                <a14:hiddenLine xmlns:a14="http://schemas.microsoft.com/office/drawing/2010/main" xmlns="" w="9525">
+                <a14:hiddenLine xmlns="" xmlns:a14="http://schemas.microsoft.com/office/drawing/2010/main" w="9525">
                   <a:solidFill>
                     <a:srgbClr val="000000"/>
                   </a:solidFill>
@@ -955,7 +960,7 @@
             </a:ln>
             <a:extLst>
               <a:ext uri="{91240B29-F687-4f45-9708-019B960494DF}">
-                <a14:hiddenLine xmlns:a14="http://schemas.microsoft.com/office/drawing/2010/main" xmlns="" w="9525">
+                <a14:hiddenLine xmlns="" xmlns:a14="http://schemas.microsoft.com/office/drawing/2010/main" w="9525">
                   <a:solidFill>
                     <a:srgbClr val="000000"/>
                   </a:solidFill>
@@ -1045,7 +1050,7 @@
             </a:ln>
             <a:extLst>
               <a:ext uri="{91240B29-F687-4f45-9708-019B960494DF}">
-                <a14:hiddenLine xmlns:a14="http://schemas.microsoft.com/office/drawing/2010/main" xmlns="" w="9525">
+                <a14:hiddenLine xmlns="" xmlns:a14="http://schemas.microsoft.com/office/drawing/2010/main" w="9525">
                   <a:solidFill>
                     <a:srgbClr val="000000"/>
                   </a:solidFill>
@@ -1107,7 +1112,7 @@
             </a:ln>
             <a:extLst>
               <a:ext uri="{91240B29-F687-4f45-9708-019B960494DF}">
-                <a14:hiddenLine xmlns:a14="http://schemas.microsoft.com/office/drawing/2010/main" xmlns="" w="9525">
+                <a14:hiddenLine xmlns="" xmlns:a14="http://schemas.microsoft.com/office/drawing/2010/main" w="9525">
                   <a:solidFill>
                     <a:srgbClr val="000000"/>
                   </a:solidFill>
@@ -1217,7 +1222,7 @@
             </a:ln>
             <a:extLst>
               <a:ext uri="{91240B29-F687-4f45-9708-019B960494DF}">
-                <a14:hiddenLine xmlns:a14="http://schemas.microsoft.com/office/drawing/2010/main" xmlns="" w="9525">
+                <a14:hiddenLine xmlns="" xmlns:a14="http://schemas.microsoft.com/office/drawing/2010/main" w="9525">
                   <a:solidFill>
                     <a:srgbClr val="000000"/>
                   </a:solidFill>
@@ -1279,7 +1284,7 @@
             </a:ln>
             <a:extLst>
               <a:ext uri="{91240B29-F687-4f45-9708-019B960494DF}">
-                <a14:hiddenLine xmlns:a14="http://schemas.microsoft.com/office/drawing/2010/main" xmlns="" w="9525">
+                <a14:hiddenLine xmlns="" xmlns:a14="http://schemas.microsoft.com/office/drawing/2010/main" w="9525">
                   <a:solidFill>
                     <a:srgbClr val="000000"/>
                   </a:solidFill>
@@ -1369,7 +1374,7 @@
             </a:ln>
             <a:extLst>
               <a:ext uri="{91240B29-F687-4f45-9708-019B960494DF}">
-                <a14:hiddenLine xmlns:a14="http://schemas.microsoft.com/office/drawing/2010/main" xmlns="" w="9525">
+                <a14:hiddenLine xmlns="" xmlns:a14="http://schemas.microsoft.com/office/drawing/2010/main" w="9525">
                   <a:solidFill>
                     <a:srgbClr val="000000"/>
                   </a:solidFill>
@@ -1459,7 +1464,7 @@
             </a:ln>
             <a:extLst>
               <a:ext uri="{91240B29-F687-4f45-9708-019B960494DF}">
-                <a14:hiddenLine xmlns:a14="http://schemas.microsoft.com/office/drawing/2010/main" xmlns="" w="9525">
+                <a14:hiddenLine xmlns="" xmlns:a14="http://schemas.microsoft.com/office/drawing/2010/main" w="9525">
                   <a:solidFill>
                     <a:srgbClr val="000000"/>
                   </a:solidFill>
@@ -1521,7 +1526,7 @@
             </a:ln>
             <a:extLst>
               <a:ext uri="{91240B29-F687-4f45-9708-019B960494DF}">
-                <a14:hiddenLine xmlns:a14="http://schemas.microsoft.com/office/drawing/2010/main" xmlns="" w="9525">
+                <a14:hiddenLine xmlns="" xmlns:a14="http://schemas.microsoft.com/office/drawing/2010/main" w="9525">
                   <a:solidFill>
                     <a:srgbClr val="000000"/>
                   </a:solidFill>
@@ -1611,7 +1616,7 @@
             </a:ln>
             <a:extLst>
               <a:ext uri="{91240B29-F687-4f45-9708-019B960494DF}">
-                <a14:hiddenLine xmlns:a14="http://schemas.microsoft.com/office/drawing/2010/main" xmlns="" w="9525">
+                <a14:hiddenLine xmlns="" xmlns:a14="http://schemas.microsoft.com/office/drawing/2010/main" w="9525">
                   <a:solidFill>
                     <a:srgbClr val="000000"/>
                   </a:solidFill>
@@ -1701,7 +1706,7 @@
             </a:ln>
             <a:extLst>
               <a:ext uri="{91240B29-F687-4f45-9708-019B960494DF}">
-                <a14:hiddenLine xmlns:a14="http://schemas.microsoft.com/office/drawing/2010/main" xmlns="" w="9525">
+                <a14:hiddenLine xmlns="" xmlns:a14="http://schemas.microsoft.com/office/drawing/2010/main" w="9525">
                   <a:solidFill>
                     <a:srgbClr val="000000"/>
                   </a:solidFill>
@@ -1757,7 +1762,7 @@
             </a:ln>
             <a:extLst>
               <a:ext uri="{91240B29-F687-4f45-9708-019B960494DF}">
-                <a14:hiddenLine xmlns:a14="http://schemas.microsoft.com/office/drawing/2010/main" xmlns="" w="9525">
+                <a14:hiddenLine xmlns="" xmlns:a14="http://schemas.microsoft.com/office/drawing/2010/main" w="9525">
                   <a:solidFill>
                     <a:srgbClr val="000000"/>
                   </a:solidFill>
@@ -1847,7 +1852,7 @@
             </a:ln>
             <a:extLst>
               <a:ext uri="{91240B29-F687-4f45-9708-019B960494DF}">
-                <a14:hiddenLine xmlns:a14="http://schemas.microsoft.com/office/drawing/2010/main" xmlns="" w="9525">
+                <a14:hiddenLine xmlns="" xmlns:a14="http://schemas.microsoft.com/office/drawing/2010/main" w="9525">
                   <a:solidFill>
                     <a:srgbClr val="000000"/>
                   </a:solidFill>
@@ -1903,7 +1908,7 @@
             </a:ln>
             <a:extLst>
               <a:ext uri="{91240B29-F687-4f45-9708-019B960494DF}">
-                <a14:hiddenLine xmlns:a14="http://schemas.microsoft.com/office/drawing/2010/main" xmlns="" w="9525">
+                <a14:hiddenLine xmlns="" xmlns:a14="http://schemas.microsoft.com/office/drawing/2010/main" w="9525">
                   <a:solidFill>
                     <a:srgbClr val="000000"/>
                   </a:solidFill>
@@ -1993,7 +1998,7 @@
             </a:ln>
             <a:extLst>
               <a:ext uri="{91240B29-F687-4f45-9708-019B960494DF}">
-                <a14:hiddenLine xmlns:a14="http://schemas.microsoft.com/office/drawing/2010/main" xmlns="" w="9525">
+                <a14:hiddenLine xmlns="" xmlns:a14="http://schemas.microsoft.com/office/drawing/2010/main" w="9525">
                   <a:solidFill>
                     <a:srgbClr val="000000"/>
                   </a:solidFill>
@@ -2061,7 +2066,7 @@
             </a:ln>
             <a:extLst>
               <a:ext uri="{91240B29-F687-4f45-9708-019B960494DF}">
-                <a14:hiddenLine xmlns:a14="http://schemas.microsoft.com/office/drawing/2010/main" xmlns="" w="9525">
+                <a14:hiddenLine xmlns="" xmlns:a14="http://schemas.microsoft.com/office/drawing/2010/main" w="9525">
                   <a:solidFill>
                     <a:srgbClr val="000000"/>
                   </a:solidFill>
@@ -2151,7 +2156,7 @@
             </a:ln>
             <a:extLst>
               <a:ext uri="{91240B29-F687-4f45-9708-019B960494DF}">
-                <a14:hiddenLine xmlns:a14="http://schemas.microsoft.com/office/drawing/2010/main" xmlns="" w="9525">
+                <a14:hiddenLine xmlns="" xmlns:a14="http://schemas.microsoft.com/office/drawing/2010/main" w="9525">
                   <a:solidFill>
                     <a:srgbClr val="000000"/>
                   </a:solidFill>
@@ -2219,7 +2224,7 @@
             </a:ln>
             <a:extLst>
               <a:ext uri="{91240B29-F687-4f45-9708-019B960494DF}">
-                <a14:hiddenLine xmlns:a14="http://schemas.microsoft.com/office/drawing/2010/main" xmlns="" w="9525">
+                <a14:hiddenLine xmlns="" xmlns:a14="http://schemas.microsoft.com/office/drawing/2010/main" w="9525">
                   <a:solidFill>
                     <a:srgbClr val="000000"/>
                   </a:solidFill>
@@ -2309,7 +2314,7 @@
             </a:ln>
             <a:extLst>
               <a:ext uri="{91240B29-F687-4f45-9708-019B960494DF}">
-                <a14:hiddenLine xmlns:a14="http://schemas.microsoft.com/office/drawing/2010/main" xmlns="" w="9525">
+                <a14:hiddenLine xmlns="" xmlns:a14="http://schemas.microsoft.com/office/drawing/2010/main" w="9525">
                   <a:solidFill>
                     <a:srgbClr val="000000"/>
                   </a:solidFill>
@@ -2343,7 +2348,7 @@
             </a:ln>
             <a:extLst>
               <a:ext uri="{91240B29-F687-4f45-9708-019B960494DF}">
-                <a14:hiddenLine xmlns:a14="http://schemas.microsoft.com/office/drawing/2010/main" xmlns="" w="9525">
+                <a14:hiddenLine xmlns="" xmlns:a14="http://schemas.microsoft.com/office/drawing/2010/main" w="9525">
                   <a:solidFill>
                     <a:srgbClr val="000000"/>
                   </a:solidFill>
@@ -2433,7 +2438,7 @@
             </a:ln>
             <a:extLst>
               <a:ext uri="{91240B29-F687-4f45-9708-019B960494DF}">
-                <a14:hiddenLine xmlns:a14="http://schemas.microsoft.com/office/drawing/2010/main" xmlns="" w="9525">
+                <a14:hiddenLine xmlns="" xmlns:a14="http://schemas.microsoft.com/office/drawing/2010/main" w="9525">
                   <a:solidFill>
                     <a:srgbClr val="000000"/>
                   </a:solidFill>
@@ -2495,7 +2500,7 @@
             </a:ln>
             <a:extLst>
               <a:ext uri="{91240B29-F687-4f45-9708-019B960494DF}">
-                <a14:hiddenLine xmlns:a14="http://schemas.microsoft.com/office/drawing/2010/main" xmlns="" w="9525">
+                <a14:hiddenLine xmlns="" xmlns:a14="http://schemas.microsoft.com/office/drawing/2010/main" w="9525">
                   <a:solidFill>
                     <a:srgbClr val="000000"/>
                   </a:solidFill>
@@ -2557,7 +2562,7 @@
             </a:ln>
             <a:extLst>
               <a:ext uri="{91240B29-F687-4f45-9708-019B960494DF}">
-                <a14:hiddenLine xmlns:a14="http://schemas.microsoft.com/office/drawing/2010/main" xmlns="" w="9525">
+                <a14:hiddenLine xmlns="" xmlns:a14="http://schemas.microsoft.com/office/drawing/2010/main" w="9525">
                   <a:solidFill>
                     <a:srgbClr val="000000"/>
                   </a:solidFill>
@@ -2647,7 +2652,7 @@
             </a:ln>
             <a:extLst>
               <a:ext uri="{91240B29-F687-4f45-9708-019B960494DF}">
-                <a14:hiddenLine xmlns:a14="http://schemas.microsoft.com/office/drawing/2010/main" xmlns="" w="9525">
+                <a14:hiddenLine xmlns="" xmlns:a14="http://schemas.microsoft.com/office/drawing/2010/main" w="9525">
                   <a:solidFill>
                     <a:srgbClr val="000000"/>
                   </a:solidFill>
@@ -2715,7 +2720,7 @@
             </a:ln>
             <a:extLst>
               <a:ext uri="{91240B29-F687-4f45-9708-019B960494DF}">
-                <a14:hiddenLine xmlns:a14="http://schemas.microsoft.com/office/drawing/2010/main" xmlns="" w="9525">
+                <a14:hiddenLine xmlns="" xmlns:a14="http://schemas.microsoft.com/office/drawing/2010/main" w="9525">
                   <a:solidFill>
                     <a:srgbClr val="000000"/>
                   </a:solidFill>
@@ -2777,7 +2782,7 @@
             </a:ln>
             <a:extLst>
               <a:ext uri="{91240B29-F687-4f45-9708-019B960494DF}">
-                <a14:hiddenLine xmlns:a14="http://schemas.microsoft.com/office/drawing/2010/main" xmlns="" w="9525">
+                <a14:hiddenLine xmlns="" xmlns:a14="http://schemas.microsoft.com/office/drawing/2010/main" w="9525">
                   <a:solidFill>
                     <a:srgbClr val="000000"/>
                   </a:solidFill>
@@ -2867,7 +2872,7 @@
             </a:ln>
             <a:extLst>
               <a:ext uri="{91240B29-F687-4f45-9708-019B960494DF}">
-                <a14:hiddenLine xmlns:a14="http://schemas.microsoft.com/office/drawing/2010/main" xmlns="" w="9525">
+                <a14:hiddenLine xmlns="" xmlns:a14="http://schemas.microsoft.com/office/drawing/2010/main" w="9525">
                   <a:solidFill>
                     <a:srgbClr val="000000"/>
                   </a:solidFill>
@@ -2929,7 +2934,7 @@
             </a:ln>
             <a:extLst>
               <a:ext uri="{91240B29-F687-4f45-9708-019B960494DF}">
-                <a14:hiddenLine xmlns:a14="http://schemas.microsoft.com/office/drawing/2010/main" xmlns="" w="9525">
+                <a14:hiddenLine xmlns="" xmlns:a14="http://schemas.microsoft.com/office/drawing/2010/main" w="9525">
                   <a:solidFill>
                     <a:srgbClr val="000000"/>
                   </a:solidFill>
@@ -3019,7 +3024,7 @@
             </a:ln>
             <a:extLst>
               <a:ext uri="{91240B29-F687-4f45-9708-019B960494DF}">
-                <a14:hiddenLine xmlns:a14="http://schemas.microsoft.com/office/drawing/2010/main" xmlns="" w="9525">
+                <a14:hiddenLine xmlns="" xmlns:a14="http://schemas.microsoft.com/office/drawing/2010/main" w="9525">
                   <a:solidFill>
                     <a:srgbClr val="000000"/>
                   </a:solidFill>
@@ -3081,7 +3086,7 @@
             </a:ln>
             <a:extLst>
               <a:ext uri="{91240B29-F687-4f45-9708-019B960494DF}">
-                <a14:hiddenLine xmlns:a14="http://schemas.microsoft.com/office/drawing/2010/main" xmlns="" w="9525">
+                <a14:hiddenLine xmlns="" xmlns:a14="http://schemas.microsoft.com/office/drawing/2010/main" w="9525">
                   <a:solidFill>
                     <a:srgbClr val="000000"/>
                   </a:solidFill>
@@ -3171,7 +3176,7 @@
             </a:ln>
             <a:extLst>
               <a:ext uri="{91240B29-F687-4f45-9708-019B960494DF}">
-                <a14:hiddenLine xmlns:a14="http://schemas.microsoft.com/office/drawing/2010/main" xmlns="" w="9525">
+                <a14:hiddenLine xmlns="" xmlns:a14="http://schemas.microsoft.com/office/drawing/2010/main" w="9525">
                   <a:solidFill>
                     <a:srgbClr val="000000"/>
                   </a:solidFill>
@@ -3205,7 +3210,7 @@
             </a:ln>
             <a:extLst>
               <a:ext uri="{91240B29-F687-4f45-9708-019B960494DF}">
-                <a14:hiddenLine xmlns:a14="http://schemas.microsoft.com/office/drawing/2010/main" xmlns="" w="9525">
+                <a14:hiddenLine xmlns="" xmlns:a14="http://schemas.microsoft.com/office/drawing/2010/main" w="9525">
                   <a:solidFill>
                     <a:srgbClr val="000000"/>
                   </a:solidFill>
@@ -3270,7 +3275,7 @@
             </a:ln>
             <a:extLst>
               <a:ext uri="{91240B29-F687-4f45-9708-019B960494DF}">
-                <a14:hiddenLine xmlns:a14="http://schemas.microsoft.com/office/drawing/2010/main" xmlns="" w="9525">
+                <a14:hiddenLine xmlns="" xmlns:a14="http://schemas.microsoft.com/office/drawing/2010/main" w="9525">
                   <a:solidFill>
                     <a:srgbClr val="000000"/>
                   </a:solidFill>
@@ -3360,7 +3365,7 @@
             </a:ln>
             <a:extLst>
               <a:ext uri="{91240B29-F687-4f45-9708-019B960494DF}">
-                <a14:hiddenLine xmlns:a14="http://schemas.microsoft.com/office/drawing/2010/main" xmlns="" w="9525">
+                <a14:hiddenLine xmlns="" xmlns:a14="http://schemas.microsoft.com/office/drawing/2010/main" w="9525">
                   <a:solidFill>
                     <a:srgbClr val="000000"/>
                   </a:solidFill>
@@ -3422,7 +3427,7 @@
             </a:ln>
             <a:extLst>
               <a:ext uri="{91240B29-F687-4f45-9708-019B960494DF}">
-                <a14:hiddenLine xmlns:a14="http://schemas.microsoft.com/office/drawing/2010/main" xmlns="" w="9525">
+                <a14:hiddenLine xmlns="" xmlns:a14="http://schemas.microsoft.com/office/drawing/2010/main" w="9525">
                   <a:solidFill>
                     <a:srgbClr val="000000"/>
                   </a:solidFill>
@@ -3512,7 +3517,7 @@
             </a:ln>
             <a:extLst>
               <a:ext uri="{91240B29-F687-4f45-9708-019B960494DF}">
-                <a14:hiddenLine xmlns:a14="http://schemas.microsoft.com/office/drawing/2010/main" xmlns="" w="9525">
+                <a14:hiddenLine xmlns="" xmlns:a14="http://schemas.microsoft.com/office/drawing/2010/main" w="9525">
                   <a:solidFill>
                     <a:srgbClr val="000000"/>
                   </a:solidFill>
@@ -3602,7 +3607,7 @@
             </a:ln>
             <a:extLst>
               <a:ext uri="{91240B29-F687-4f45-9708-019B960494DF}">
-                <a14:hiddenLine xmlns:a14="http://schemas.microsoft.com/office/drawing/2010/main" xmlns="" w="9525">
+                <a14:hiddenLine xmlns="" xmlns:a14="http://schemas.microsoft.com/office/drawing/2010/main" w="9525">
                   <a:solidFill>
                     <a:srgbClr val="000000"/>
                   </a:solidFill>
@@ -3667,7 +3672,7 @@
             </a:ln>
             <a:extLst>
               <a:ext uri="{91240B29-F687-4f45-9708-019B960494DF}">
-                <a14:hiddenLine xmlns:a14="http://schemas.microsoft.com/office/drawing/2010/main" xmlns="" w="9525">
+                <a14:hiddenLine xmlns="" xmlns:a14="http://schemas.microsoft.com/office/drawing/2010/main" w="9525">
                   <a:solidFill>
                     <a:srgbClr val="000000"/>
                   </a:solidFill>
@@ -3729,7 +3734,7 @@
             </a:ln>
             <a:extLst>
               <a:ext uri="{91240B29-F687-4f45-9708-019B960494DF}">
-                <a14:hiddenLine xmlns:a14="http://schemas.microsoft.com/office/drawing/2010/main" xmlns="" w="9525">
+                <a14:hiddenLine xmlns="" xmlns:a14="http://schemas.microsoft.com/office/drawing/2010/main" w="9525">
                   <a:solidFill>
                     <a:srgbClr val="000000"/>
                   </a:solidFill>
@@ -3819,7 +3824,7 @@
             </a:ln>
             <a:extLst>
               <a:ext uri="{91240B29-F687-4f45-9708-019B960494DF}">
-                <a14:hiddenLine xmlns:a14="http://schemas.microsoft.com/office/drawing/2010/main" xmlns="" w="9525">
+                <a14:hiddenLine xmlns="" xmlns:a14="http://schemas.microsoft.com/office/drawing/2010/main" w="9525">
                   <a:solidFill>
                     <a:srgbClr val="000000"/>
                   </a:solidFill>
@@ -3909,7 +3914,7 @@
             </a:ln>
             <a:extLst>
               <a:ext uri="{91240B29-F687-4f45-9708-019B960494DF}">
-                <a14:hiddenLine xmlns:a14="http://schemas.microsoft.com/office/drawing/2010/main" xmlns="" w="9525">
+                <a14:hiddenLine xmlns="" xmlns:a14="http://schemas.microsoft.com/office/drawing/2010/main" w="9525">
                   <a:solidFill>
                     <a:srgbClr val="000000"/>
                   </a:solidFill>
@@ -3971,7 +3976,7 @@
             </a:ln>
             <a:extLst>
               <a:ext uri="{91240B29-F687-4f45-9708-019B960494DF}">
-                <a14:hiddenLine xmlns:a14="http://schemas.microsoft.com/office/drawing/2010/main" xmlns="" w="9525">
+                <a14:hiddenLine xmlns="" xmlns:a14="http://schemas.microsoft.com/office/drawing/2010/main" w="9525">
                   <a:solidFill>
                     <a:srgbClr val="000000"/>
                   </a:solidFill>
@@ -4091,7 +4096,7 @@
             </a:ln>
             <a:extLst>
               <a:ext uri="{91240B29-F687-4f45-9708-019B960494DF}">
-                <a14:hiddenLine xmlns:a14="http://schemas.microsoft.com/office/drawing/2010/main" xmlns="" w="9525">
+                <a14:hiddenLine xmlns="" xmlns:a14="http://schemas.microsoft.com/office/drawing/2010/main" w="9525">
                   <a:solidFill>
                     <a:srgbClr val="000000"/>
                   </a:solidFill>
@@ -4159,7 +4164,7 @@
             </a:ln>
             <a:extLst>
               <a:ext uri="{91240B29-F687-4f45-9708-019B960494DF}">
-                <a14:hiddenLine xmlns:a14="http://schemas.microsoft.com/office/drawing/2010/main" xmlns="" w="9525">
+                <a14:hiddenLine xmlns="" xmlns:a14="http://schemas.microsoft.com/office/drawing/2010/main" w="9525">
                   <a:solidFill>
                     <a:srgbClr val="000000"/>
                   </a:solidFill>
@@ -4249,7 +4254,7 @@
             </a:ln>
             <a:extLst>
               <a:ext uri="{91240B29-F687-4f45-9708-019B960494DF}">
-                <a14:hiddenLine xmlns:a14="http://schemas.microsoft.com/office/drawing/2010/main" xmlns="" w="9525">
+                <a14:hiddenLine xmlns="" xmlns:a14="http://schemas.microsoft.com/office/drawing/2010/main" w="9525">
                   <a:solidFill>
                     <a:srgbClr val="000000"/>
                   </a:solidFill>
@@ -4389,7 +4394,7 @@
           <a:p>
             <a:fld id="{48A87A34-81AB-432B-8DAE-1953F412C126}" type="datetimeFigureOut">
               <a:rPr lang="en-US" dirty="0"/>
-              <a:t>1/24/2018</a:t>
+              <a:t>1/29/2018</a:t>
             </a:fld>
             <a:endParaRPr lang="en-US" dirty="0"/>
           </a:p>
@@ -4441,7 +4446,7 @@
           <a:p>
             <a:fld id="{6D22F896-40B5-4ADD-8801-0D06FADFA095}" type="slidenum">
               <a:rPr lang="en-US" dirty="0"/>
-              <a:t>‹N°›</a:t>
+              <a:t>‹#›</a:t>
             </a:fld>
             <a:endParaRPr lang="en-US" dirty="0"/>
           </a:p>
@@ -4651,7 +4656,7 @@
           <a:p>
             <a:fld id="{48A87A34-81AB-432B-8DAE-1953F412C126}" type="datetimeFigureOut">
               <a:rPr lang="en-US" dirty="0"/>
-              <a:t>1/24/2018</a:t>
+              <a:t>1/29/2018</a:t>
             </a:fld>
             <a:endParaRPr lang="en-US" dirty="0"/>
           </a:p>
@@ -4693,7 +4698,7 @@
           <a:p>
             <a:fld id="{6D22F896-40B5-4ADD-8801-0D06FADFA095}" type="slidenum">
               <a:rPr lang="en-US" dirty="0"/>
-              <a:t>‹N°›</a:t>
+              <a:t>‹#›</a:t>
             </a:fld>
             <a:endParaRPr lang="en-US" dirty="0"/>
           </a:p>
@@ -4842,7 +4847,7 @@
           <a:p>
             <a:fld id="{48A87A34-81AB-432B-8DAE-1953F412C126}" type="datetimeFigureOut">
               <a:rPr lang="en-US" dirty="0"/>
-              <a:t>1/24/2018</a:t>
+              <a:t>1/29/2018</a:t>
             </a:fld>
             <a:endParaRPr lang="en-US" dirty="0"/>
           </a:p>
@@ -4884,7 +4889,7 @@
           <a:p>
             <a:fld id="{6D22F896-40B5-4ADD-8801-0D06FADFA095}" type="slidenum">
               <a:rPr lang="en-US" dirty="0"/>
-              <a:t>‹N°›</a:t>
+              <a:t>‹#›</a:t>
             </a:fld>
             <a:endParaRPr lang="en-US" dirty="0"/>
           </a:p>
@@ -5100,7 +5105,7 @@
           <a:p>
             <a:fld id="{48A87A34-81AB-432B-8DAE-1953F412C126}" type="datetimeFigureOut">
               <a:rPr lang="en-US" dirty="0"/>
-              <a:t>1/24/2018</a:t>
+              <a:t>1/29/2018</a:t>
             </a:fld>
             <a:endParaRPr lang="en-US" dirty="0"/>
           </a:p>
@@ -5142,7 +5147,7 @@
           <a:p>
             <a:fld id="{6D22F896-40B5-4ADD-8801-0D06FADFA095}" type="slidenum">
               <a:rPr lang="en-US" dirty="0"/>
-              <a:t>‹N°›</a:t>
+              <a:t>‹#›</a:t>
             </a:fld>
             <a:endParaRPr lang="en-US" dirty="0"/>
           </a:p>
@@ -5529,7 +5534,7 @@
           <a:p>
             <a:fld id="{48A87A34-81AB-432B-8DAE-1953F412C126}" type="datetimeFigureOut">
               <a:rPr lang="en-US" dirty="0"/>
-              <a:t>1/24/2018</a:t>
+              <a:t>1/29/2018</a:t>
             </a:fld>
             <a:endParaRPr lang="en-US" dirty="0"/>
           </a:p>
@@ -5571,7 +5576,7 @@
           <a:p>
             <a:fld id="{6D22F896-40B5-4ADD-8801-0D06FADFA095}" type="slidenum">
               <a:rPr lang="en-US" dirty="0"/>
-              <a:t>‹N°›</a:t>
+              <a:t>‹#›</a:t>
             </a:fld>
             <a:endParaRPr lang="en-US" dirty="0"/>
           </a:p>
@@ -6070,7 +6075,7 @@
           <a:p>
             <a:fld id="{48A87A34-81AB-432B-8DAE-1953F412C126}" type="datetimeFigureOut">
               <a:rPr lang="en-US" dirty="0"/>
-              <a:t>1/24/2018</a:t>
+              <a:t>1/29/2018</a:t>
             </a:fld>
             <a:endParaRPr lang="en-US" dirty="0"/>
           </a:p>
@@ -6112,7 +6117,7 @@
           <a:p>
             <a:fld id="{6D22F896-40B5-4ADD-8801-0D06FADFA095}" type="slidenum">
               <a:rPr lang="en-US" dirty="0"/>
-              <a:t>‹N°›</a:t>
+              <a:t>‹#›</a:t>
             </a:fld>
             <a:endParaRPr lang="en-US" dirty="0"/>
           </a:p>
@@ -6785,7 +6790,7 @@
           <a:p>
             <a:fld id="{48A87A34-81AB-432B-8DAE-1953F412C126}" type="datetimeFigureOut">
               <a:rPr lang="en-US" dirty="0"/>
-              <a:t>1/24/2018</a:t>
+              <a:t>1/29/2018</a:t>
             </a:fld>
             <a:endParaRPr lang="en-US" dirty="0"/>
           </a:p>
@@ -6827,7 +6832,7 @@
           <a:p>
             <a:fld id="{6D22F896-40B5-4ADD-8801-0D06FADFA095}" type="slidenum">
               <a:rPr lang="en-US" dirty="0"/>
-              <a:t>‹N°›</a:t>
+              <a:t>‹#›</a:t>
             </a:fld>
             <a:endParaRPr lang="en-US" dirty="0"/>
           </a:p>
@@ -6950,7 +6955,7 @@
           <a:p>
             <a:fld id="{48A87A34-81AB-432B-8DAE-1953F412C126}" type="datetimeFigureOut">
               <a:rPr lang="en-US" dirty="0"/>
-              <a:t>1/24/2018</a:t>
+              <a:t>1/29/2018</a:t>
             </a:fld>
             <a:endParaRPr lang="en-US" dirty="0"/>
           </a:p>
@@ -6992,7 +6997,7 @@
           <a:p>
             <a:fld id="{6D22F896-40B5-4ADD-8801-0D06FADFA095}" type="slidenum">
               <a:rPr lang="en-US" dirty="0"/>
-              <a:t>‹N°›</a:t>
+              <a:t>‹#›</a:t>
             </a:fld>
             <a:endParaRPr lang="en-US" dirty="0"/>
           </a:p>
@@ -7125,7 +7130,7 @@
           <a:p>
             <a:fld id="{48A87A34-81AB-432B-8DAE-1953F412C126}" type="datetimeFigureOut">
               <a:rPr lang="en-US" dirty="0"/>
-              <a:t>1/24/2018</a:t>
+              <a:t>1/29/2018</a:t>
             </a:fld>
             <a:endParaRPr lang="en-US" dirty="0"/>
           </a:p>
@@ -7167,7 +7172,7 @@
           <a:p>
             <a:fld id="{6D22F896-40B5-4ADD-8801-0D06FADFA095}" type="slidenum">
               <a:rPr lang="en-US" dirty="0"/>
-              <a:t>‹N°›</a:t>
+              <a:t>‹#›</a:t>
             </a:fld>
             <a:endParaRPr lang="en-US" dirty="0"/>
           </a:p>
@@ -7290,7 +7295,7 @@
           <a:p>
             <a:fld id="{48A87A34-81AB-432B-8DAE-1953F412C126}" type="datetimeFigureOut">
               <a:rPr lang="en-US" dirty="0"/>
-              <a:t>1/24/2018</a:t>
+              <a:t>1/29/2018</a:t>
             </a:fld>
             <a:endParaRPr lang="en-US" dirty="0"/>
           </a:p>
@@ -7332,7 +7337,7 @@
           <a:p>
             <a:fld id="{6D22F896-40B5-4ADD-8801-0D06FADFA095}" type="slidenum">
               <a:rPr lang="en-US" dirty="0"/>
-              <a:t>‹N°›</a:t>
+              <a:t>‹#›</a:t>
             </a:fld>
             <a:endParaRPr lang="en-US" dirty="0"/>
           </a:p>
@@ -7535,7 +7540,7 @@
           <a:p>
             <a:fld id="{48A87A34-81AB-432B-8DAE-1953F412C126}" type="datetimeFigureOut">
               <a:rPr lang="en-US" dirty="0"/>
-              <a:t>1/24/2018</a:t>
+              <a:t>1/29/2018</a:t>
             </a:fld>
             <a:endParaRPr lang="en-US" dirty="0"/>
           </a:p>
@@ -7577,7 +7582,7 @@
           <a:p>
             <a:fld id="{6D22F896-40B5-4ADD-8801-0D06FADFA095}" type="slidenum">
               <a:rPr lang="en-US" dirty="0"/>
-              <a:t>‹N°›</a:t>
+              <a:t>‹#›</a:t>
             </a:fld>
             <a:endParaRPr lang="en-US" dirty="0"/>
           </a:p>
@@ -7762,7 +7767,7 @@
           <a:p>
             <a:fld id="{48A87A34-81AB-432B-8DAE-1953F412C126}" type="datetimeFigureOut">
               <a:rPr lang="en-US" dirty="0"/>
-              <a:t>1/24/2018</a:t>
+              <a:t>1/29/2018</a:t>
             </a:fld>
             <a:endParaRPr lang="en-US" dirty="0"/>
           </a:p>
@@ -7804,7 +7809,7 @@
           <a:p>
             <a:fld id="{6D22F896-40B5-4ADD-8801-0D06FADFA095}" type="slidenum">
               <a:rPr lang="en-US" dirty="0"/>
-              <a:t>‹N°›</a:t>
+              <a:t>‹#›</a:t>
             </a:fld>
             <a:endParaRPr lang="en-US" dirty="0"/>
           </a:p>
@@ -8138,7 +8143,7 @@
           <a:p>
             <a:fld id="{48A87A34-81AB-432B-8DAE-1953F412C126}" type="datetimeFigureOut">
               <a:rPr lang="en-US" dirty="0"/>
-              <a:t>1/24/2018</a:t>
+              <a:t>1/29/2018</a:t>
             </a:fld>
             <a:endParaRPr lang="en-US" dirty="0"/>
           </a:p>
@@ -8180,7 +8185,7 @@
           <a:p>
             <a:fld id="{6D22F896-40B5-4ADD-8801-0D06FADFA095}" type="slidenum">
               <a:rPr lang="en-US" dirty="0"/>
-              <a:t>‹N°›</a:t>
+              <a:t>‹#›</a:t>
             </a:fld>
             <a:endParaRPr lang="en-US" dirty="0"/>
           </a:p>
@@ -8251,7 +8256,7 @@
           <a:p>
             <a:fld id="{48A87A34-81AB-432B-8DAE-1953F412C126}" type="datetimeFigureOut">
               <a:rPr lang="en-US" dirty="0"/>
-              <a:t>1/24/2018</a:t>
+              <a:t>1/29/2018</a:t>
             </a:fld>
             <a:endParaRPr lang="en-US" dirty="0"/>
           </a:p>
@@ -8293,7 +8298,7 @@
           <a:p>
             <a:fld id="{6D22F896-40B5-4ADD-8801-0D06FADFA095}" type="slidenum">
               <a:rPr lang="en-US" dirty="0"/>
-              <a:t>‹N°›</a:t>
+              <a:t>‹#›</a:t>
             </a:fld>
             <a:endParaRPr lang="en-US" dirty="0"/>
           </a:p>
@@ -8341,7 +8346,7 @@
           <a:p>
             <a:fld id="{48A87A34-81AB-432B-8DAE-1953F412C126}" type="datetimeFigureOut">
               <a:rPr lang="en-US" dirty="0"/>
-              <a:t>1/24/2018</a:t>
+              <a:t>1/29/2018</a:t>
             </a:fld>
             <a:endParaRPr lang="en-US" dirty="0"/>
           </a:p>
@@ -8383,7 +8388,7 @@
           <a:p>
             <a:fld id="{6D22F896-40B5-4ADD-8801-0D06FADFA095}" type="slidenum">
               <a:rPr lang="en-US" dirty="0"/>
-              <a:t>‹N°›</a:t>
+              <a:t>‹#›</a:t>
             </a:fld>
             <a:endParaRPr lang="en-US" dirty="0"/>
           </a:p>
@@ -8585,7 +8590,7 @@
           <a:p>
             <a:fld id="{48A87A34-81AB-432B-8DAE-1953F412C126}" type="datetimeFigureOut">
               <a:rPr lang="en-US" dirty="0"/>
-              <a:t>1/24/2018</a:t>
+              <a:t>1/29/2018</a:t>
             </a:fld>
             <a:endParaRPr lang="en-US" dirty="0"/>
           </a:p>
@@ -8627,7 +8632,7 @@
           <a:p>
             <a:fld id="{6D22F896-40B5-4ADD-8801-0D06FADFA095}" type="slidenum">
               <a:rPr lang="en-US" dirty="0"/>
-              <a:t>‹N°›</a:t>
+              <a:t>‹#›</a:t>
             </a:fld>
             <a:endParaRPr lang="en-US" dirty="0"/>
           </a:p>
@@ -8860,7 +8865,7 @@
           <a:p>
             <a:fld id="{48A87A34-81AB-432B-8DAE-1953F412C126}" type="datetimeFigureOut">
               <a:rPr lang="en-US" dirty="0"/>
-              <a:t>1/24/2018</a:t>
+              <a:t>1/29/2018</a:t>
             </a:fld>
             <a:endParaRPr lang="en-US" dirty="0"/>
           </a:p>
@@ -8902,7 +8907,7 @@
           <a:p>
             <a:fld id="{6D22F896-40B5-4ADD-8801-0D06FADFA095}" type="slidenum">
               <a:rPr lang="en-US" dirty="0"/>
-              <a:t>‹N°›</a:t>
+              <a:t>‹#›</a:t>
             </a:fld>
             <a:endParaRPr lang="en-US" dirty="0"/>
           </a:p>
@@ -8971,7 +8976,7 @@
           <a:noFill/>
           <a:extLst>
             <a:ext uri="{909E8E84-426E-40dd-AFC4-6F175D3DCCD1}">
-              <a14:hiddenFill xmlns:a14="http://schemas.microsoft.com/office/drawing/2010/main" xmlns="">
+              <a14:hiddenFill xmlns="" xmlns:a14="http://schemas.microsoft.com/office/drawing/2010/main">
                 <a:solidFill>
                   <a:srgbClr val="FFFFFF"/>
                 </a:solidFill>
@@ -9045,7 +9050,7 @@
               </a:ln>
               <a:extLst>
                 <a:ext uri="{91240B29-F687-4f45-9708-019B960494DF}">
-                  <a14:hiddenLine xmlns:a14="http://schemas.microsoft.com/office/drawing/2010/main" xmlns="" w="9525">
+                  <a14:hiddenLine xmlns="" xmlns:a14="http://schemas.microsoft.com/office/drawing/2010/main" w="9525">
                     <a:solidFill>
                       <a:srgbClr val="000000"/>
                     </a:solidFill>
@@ -9135,7 +9140,7 @@
               </a:ln>
               <a:extLst>
                 <a:ext uri="{91240B29-F687-4f45-9708-019B960494DF}">
-                  <a14:hiddenLine xmlns:a14="http://schemas.microsoft.com/office/drawing/2010/main" xmlns="" w="9525">
+                  <a14:hiddenLine xmlns="" xmlns:a14="http://schemas.microsoft.com/office/drawing/2010/main" w="9525">
                     <a:solidFill>
                       <a:srgbClr val="000000"/>
                     </a:solidFill>
@@ -9225,7 +9230,7 @@
               </a:ln>
               <a:extLst>
                 <a:ext uri="{91240B29-F687-4f45-9708-019B960494DF}">
-                  <a14:hiddenLine xmlns:a14="http://schemas.microsoft.com/office/drawing/2010/main" xmlns="" w="9525">
+                  <a14:hiddenLine xmlns="" xmlns:a14="http://schemas.microsoft.com/office/drawing/2010/main" w="9525">
                     <a:solidFill>
                       <a:srgbClr val="000000"/>
                     </a:solidFill>
@@ -9287,7 +9292,7 @@
               </a:ln>
               <a:extLst>
                 <a:ext uri="{91240B29-F687-4f45-9708-019B960494DF}">
-                  <a14:hiddenLine xmlns:a14="http://schemas.microsoft.com/office/drawing/2010/main" xmlns="" w="9525">
+                  <a14:hiddenLine xmlns="" xmlns:a14="http://schemas.microsoft.com/office/drawing/2010/main" w="9525">
                     <a:solidFill>
                       <a:srgbClr val="000000"/>
                     </a:solidFill>
@@ -9377,7 +9382,7 @@
               </a:ln>
               <a:extLst>
                 <a:ext uri="{91240B29-F687-4f45-9708-019B960494DF}">
-                  <a14:hiddenLine xmlns:a14="http://schemas.microsoft.com/office/drawing/2010/main" xmlns="" w="9525">
+                  <a14:hiddenLine xmlns="" xmlns:a14="http://schemas.microsoft.com/office/drawing/2010/main" w="9525">
                     <a:solidFill>
                       <a:srgbClr val="000000"/>
                     </a:solidFill>
@@ -9439,7 +9444,7 @@
               </a:ln>
               <a:extLst>
                 <a:ext uri="{91240B29-F687-4f45-9708-019B960494DF}">
-                  <a14:hiddenLine xmlns:a14="http://schemas.microsoft.com/office/drawing/2010/main" xmlns="" w="9525">
+                  <a14:hiddenLine xmlns="" xmlns:a14="http://schemas.microsoft.com/office/drawing/2010/main" w="9525">
                     <a:solidFill>
                       <a:srgbClr val="000000"/>
                     </a:solidFill>
@@ -9501,7 +9506,7 @@
               </a:ln>
               <a:extLst>
                 <a:ext uri="{91240B29-F687-4f45-9708-019B960494DF}">
-                  <a14:hiddenLine xmlns:a14="http://schemas.microsoft.com/office/drawing/2010/main" xmlns="" w="9525">
+                  <a14:hiddenLine xmlns="" xmlns:a14="http://schemas.microsoft.com/office/drawing/2010/main" w="9525">
                     <a:solidFill>
                       <a:srgbClr val="000000"/>
                     </a:solidFill>
@@ -9591,7 +9596,7 @@
               </a:ln>
               <a:extLst>
                 <a:ext uri="{91240B29-F687-4f45-9708-019B960494DF}">
-                  <a14:hiddenLine xmlns:a14="http://schemas.microsoft.com/office/drawing/2010/main" xmlns="" w="9525">
+                  <a14:hiddenLine xmlns="" xmlns:a14="http://schemas.microsoft.com/office/drawing/2010/main" w="9525">
                     <a:solidFill>
                       <a:srgbClr val="000000"/>
                     </a:solidFill>
@@ -9681,7 +9686,7 @@
               </a:ln>
               <a:extLst>
                 <a:ext uri="{91240B29-F687-4f45-9708-019B960494DF}">
-                  <a14:hiddenLine xmlns:a14="http://schemas.microsoft.com/office/drawing/2010/main" xmlns="" w="9525">
+                  <a14:hiddenLine xmlns="" xmlns:a14="http://schemas.microsoft.com/office/drawing/2010/main" w="9525">
                     <a:solidFill>
                       <a:srgbClr val="000000"/>
                     </a:solidFill>
@@ -9743,7 +9748,7 @@
               </a:ln>
               <a:extLst>
                 <a:ext uri="{91240B29-F687-4f45-9708-019B960494DF}">
-                  <a14:hiddenLine xmlns:a14="http://schemas.microsoft.com/office/drawing/2010/main" xmlns="" w="9525">
+                  <a14:hiddenLine xmlns="" xmlns:a14="http://schemas.microsoft.com/office/drawing/2010/main" w="9525">
                     <a:solidFill>
                       <a:srgbClr val="000000"/>
                     </a:solidFill>
@@ -9853,7 +9858,7 @@
               </a:ln>
               <a:extLst>
                 <a:ext uri="{91240B29-F687-4f45-9708-019B960494DF}">
-                  <a14:hiddenLine xmlns:a14="http://schemas.microsoft.com/office/drawing/2010/main" xmlns="" w="9525">
+                  <a14:hiddenLine xmlns="" xmlns:a14="http://schemas.microsoft.com/office/drawing/2010/main" w="9525">
                     <a:solidFill>
                       <a:srgbClr val="000000"/>
                     </a:solidFill>
@@ -9937,7 +9942,7 @@
               </a:ln>
               <a:extLst>
                 <a:ext uri="{91240B29-F687-4f45-9708-019B960494DF}">
-                  <a14:hiddenLine xmlns:a14="http://schemas.microsoft.com/office/drawing/2010/main" xmlns="" w="9525">
+                  <a14:hiddenLine xmlns="" xmlns:a14="http://schemas.microsoft.com/office/drawing/2010/main" w="9525">
                     <a:solidFill>
                       <a:srgbClr val="000000"/>
                     </a:solidFill>
@@ -9999,7 +10004,7 @@
               </a:ln>
               <a:extLst>
                 <a:ext uri="{91240B29-F687-4f45-9708-019B960494DF}">
-                  <a14:hiddenLine xmlns:a14="http://schemas.microsoft.com/office/drawing/2010/main" xmlns="" w="9525">
+                  <a14:hiddenLine xmlns="" xmlns:a14="http://schemas.microsoft.com/office/drawing/2010/main" w="9525">
                     <a:solidFill>
                       <a:srgbClr val="000000"/>
                     </a:solidFill>
@@ -10061,7 +10066,7 @@
               </a:ln>
               <a:extLst>
                 <a:ext uri="{91240B29-F687-4f45-9708-019B960494DF}">
-                  <a14:hiddenLine xmlns:a14="http://schemas.microsoft.com/office/drawing/2010/main" xmlns="" w="9525">
+                  <a14:hiddenLine xmlns="" xmlns:a14="http://schemas.microsoft.com/office/drawing/2010/main" w="9525">
                     <a:solidFill>
                       <a:srgbClr val="000000"/>
                     </a:solidFill>
@@ -10151,7 +10156,7 @@
               </a:ln>
               <a:extLst>
                 <a:ext uri="{91240B29-F687-4f45-9708-019B960494DF}">
-                  <a14:hiddenLine xmlns:a14="http://schemas.microsoft.com/office/drawing/2010/main" xmlns="" w="9525">
+                  <a14:hiddenLine xmlns="" xmlns:a14="http://schemas.microsoft.com/office/drawing/2010/main" w="9525">
                     <a:solidFill>
                       <a:srgbClr val="000000"/>
                     </a:solidFill>
@@ -10185,7 +10190,7 @@
               </a:ln>
               <a:extLst>
                 <a:ext uri="{91240B29-F687-4f45-9708-019B960494DF}">
-                  <a14:hiddenLine xmlns:a14="http://schemas.microsoft.com/office/drawing/2010/main" xmlns="" w="9525">
+                  <a14:hiddenLine xmlns="" xmlns:a14="http://schemas.microsoft.com/office/drawing/2010/main" w="9525">
                     <a:solidFill>
                       <a:srgbClr val="000000"/>
                     </a:solidFill>
@@ -10250,7 +10255,7 @@
               </a:ln>
               <a:extLst>
                 <a:ext uri="{91240B29-F687-4f45-9708-019B960494DF}">
-                  <a14:hiddenLine xmlns:a14="http://schemas.microsoft.com/office/drawing/2010/main" xmlns="" w="9525">
+                  <a14:hiddenLine xmlns="" xmlns:a14="http://schemas.microsoft.com/office/drawing/2010/main" w="9525">
                     <a:solidFill>
                       <a:srgbClr val="000000"/>
                     </a:solidFill>
@@ -10340,7 +10345,7 @@
               </a:ln>
               <a:extLst>
                 <a:ext uri="{91240B29-F687-4f45-9708-019B960494DF}">
-                  <a14:hiddenLine xmlns:a14="http://schemas.microsoft.com/office/drawing/2010/main" xmlns="" w="9525">
+                  <a14:hiddenLine xmlns="" xmlns:a14="http://schemas.microsoft.com/office/drawing/2010/main" w="9525">
                     <a:solidFill>
                       <a:srgbClr val="000000"/>
                     </a:solidFill>
@@ -10402,7 +10407,7 @@
               </a:ln>
               <a:extLst>
                 <a:ext uri="{91240B29-F687-4f45-9708-019B960494DF}">
-                  <a14:hiddenLine xmlns:a14="http://schemas.microsoft.com/office/drawing/2010/main" xmlns="" w="9525">
+                  <a14:hiddenLine xmlns="" xmlns:a14="http://schemas.microsoft.com/office/drawing/2010/main" w="9525">
                     <a:solidFill>
                       <a:srgbClr val="000000"/>
                     </a:solidFill>
@@ -10492,7 +10497,7 @@
               </a:ln>
               <a:extLst>
                 <a:ext uri="{91240B29-F687-4f45-9708-019B960494DF}">
-                  <a14:hiddenLine xmlns:a14="http://schemas.microsoft.com/office/drawing/2010/main" xmlns="" w="9525">
+                  <a14:hiddenLine xmlns="" xmlns:a14="http://schemas.microsoft.com/office/drawing/2010/main" w="9525">
                     <a:solidFill>
                       <a:srgbClr val="000000"/>
                     </a:solidFill>
@@ -10557,7 +10562,7 @@
               </a:ln>
               <a:extLst>
                 <a:ext uri="{91240B29-F687-4f45-9708-019B960494DF}">
-                  <a14:hiddenLine xmlns:a14="http://schemas.microsoft.com/office/drawing/2010/main" xmlns="" w="9525">
+                  <a14:hiddenLine xmlns="" xmlns:a14="http://schemas.microsoft.com/office/drawing/2010/main" w="9525">
                     <a:solidFill>
                       <a:srgbClr val="000000"/>
                     </a:solidFill>
@@ -10619,7 +10624,7 @@
               </a:ln>
               <a:extLst>
                 <a:ext uri="{91240B29-F687-4f45-9708-019B960494DF}">
-                  <a14:hiddenLine xmlns:a14="http://schemas.microsoft.com/office/drawing/2010/main" xmlns="" w="9525">
+                  <a14:hiddenLine xmlns="" xmlns:a14="http://schemas.microsoft.com/office/drawing/2010/main" w="9525">
                     <a:solidFill>
                       <a:srgbClr val="000000"/>
                     </a:solidFill>
@@ -10709,7 +10714,7 @@
               </a:ln>
               <a:extLst>
                 <a:ext uri="{91240B29-F687-4f45-9708-019B960494DF}">
-                  <a14:hiddenLine xmlns:a14="http://schemas.microsoft.com/office/drawing/2010/main" xmlns="" w="9525">
+                  <a14:hiddenLine xmlns="" xmlns:a14="http://schemas.microsoft.com/office/drawing/2010/main" w="9525">
                     <a:solidFill>
                       <a:srgbClr val="000000"/>
                     </a:solidFill>
@@ -10799,7 +10804,7 @@
               </a:ln>
               <a:extLst>
                 <a:ext uri="{91240B29-F687-4f45-9708-019B960494DF}">
-                  <a14:hiddenLine xmlns:a14="http://schemas.microsoft.com/office/drawing/2010/main" xmlns="" w="9525">
+                  <a14:hiddenLine xmlns="" xmlns:a14="http://schemas.microsoft.com/office/drawing/2010/main" w="9525">
                     <a:solidFill>
                       <a:srgbClr val="000000"/>
                     </a:solidFill>
@@ -10864,7 +10869,7 @@
               </a:ln>
               <a:extLst>
                 <a:ext uri="{91240B29-F687-4f45-9708-019B960494DF}">
-                  <a14:hiddenLine xmlns:a14="http://schemas.microsoft.com/office/drawing/2010/main" xmlns="" w="9525">
+                  <a14:hiddenLine xmlns="" xmlns:a14="http://schemas.microsoft.com/office/drawing/2010/main" w="9525">
                     <a:solidFill>
                       <a:srgbClr val="000000"/>
                     </a:solidFill>
@@ -10984,7 +10989,7 @@
               </a:ln>
               <a:extLst>
                 <a:ext uri="{91240B29-F687-4f45-9708-019B960494DF}">
-                  <a14:hiddenLine xmlns:a14="http://schemas.microsoft.com/office/drawing/2010/main" xmlns="" w="9525">
+                  <a14:hiddenLine xmlns="" xmlns:a14="http://schemas.microsoft.com/office/drawing/2010/main" w="9525">
                     <a:solidFill>
                       <a:srgbClr val="000000"/>
                     </a:solidFill>
@@ -11082,7 +11087,7 @@
               </a:ln>
               <a:extLst>
                 <a:ext uri="{91240B29-F687-4f45-9708-019B960494DF}">
-                  <a14:hiddenLine xmlns:a14="http://schemas.microsoft.com/office/drawing/2010/main" xmlns="" w="9525">
+                  <a14:hiddenLine xmlns="" xmlns:a14="http://schemas.microsoft.com/office/drawing/2010/main" w="9525">
                     <a:solidFill>
                       <a:srgbClr val="000000"/>
                     </a:solidFill>
@@ -11197,7 +11202,7 @@
               </a:ln>
               <a:extLst>
                 <a:ext uri="{91240B29-F687-4f45-9708-019B960494DF}">
-                  <a14:hiddenLine xmlns:a14="http://schemas.microsoft.com/office/drawing/2010/main" xmlns="" w="9525">
+                  <a14:hiddenLine xmlns="" xmlns:a14="http://schemas.microsoft.com/office/drawing/2010/main" w="9525">
                     <a:solidFill>
                       <a:srgbClr val="000000"/>
                     </a:solidFill>
@@ -11287,7 +11292,7 @@
               </a:ln>
               <a:extLst>
                 <a:ext uri="{91240B29-F687-4f45-9708-019B960494DF}">
-                  <a14:hiddenLine xmlns:a14="http://schemas.microsoft.com/office/drawing/2010/main" xmlns="" w="9525">
+                  <a14:hiddenLine xmlns="" xmlns:a14="http://schemas.microsoft.com/office/drawing/2010/main" w="9525">
                     <a:solidFill>
                       <a:srgbClr val="000000"/>
                     </a:solidFill>
@@ -11352,7 +11357,7 @@
               </a:ln>
               <a:extLst>
                 <a:ext uri="{91240B29-F687-4f45-9708-019B960494DF}">
-                  <a14:hiddenLine xmlns:a14="http://schemas.microsoft.com/office/drawing/2010/main" xmlns="" w="9525">
+                  <a14:hiddenLine xmlns="" xmlns:a14="http://schemas.microsoft.com/office/drawing/2010/main" w="9525">
                     <a:solidFill>
                       <a:srgbClr val="000000"/>
                     </a:solidFill>
@@ -11442,7 +11447,7 @@
               </a:ln>
               <a:extLst>
                 <a:ext uri="{91240B29-F687-4f45-9708-019B960494DF}">
-                  <a14:hiddenLine xmlns:a14="http://schemas.microsoft.com/office/drawing/2010/main" xmlns="" w="9525">
+                  <a14:hiddenLine xmlns="" xmlns:a14="http://schemas.microsoft.com/office/drawing/2010/main" w="9525">
                     <a:solidFill>
                       <a:srgbClr val="000000"/>
                     </a:solidFill>
@@ -11510,7 +11515,7 @@
               </a:ln>
               <a:extLst>
                 <a:ext uri="{91240B29-F687-4f45-9708-019B960494DF}">
-                  <a14:hiddenLine xmlns:a14="http://schemas.microsoft.com/office/drawing/2010/main" xmlns="" w="9525">
+                  <a14:hiddenLine xmlns="" xmlns:a14="http://schemas.microsoft.com/office/drawing/2010/main" w="9525">
                     <a:solidFill>
                       <a:srgbClr val="000000"/>
                     </a:solidFill>
@@ -11600,7 +11605,7 @@
               </a:ln>
               <a:extLst>
                 <a:ext uri="{91240B29-F687-4f45-9708-019B960494DF}">
-                  <a14:hiddenLine xmlns:a14="http://schemas.microsoft.com/office/drawing/2010/main" xmlns="" w="9525">
+                  <a14:hiddenLine xmlns="" xmlns:a14="http://schemas.microsoft.com/office/drawing/2010/main" w="9525">
                     <a:solidFill>
                       <a:srgbClr val="000000"/>
                     </a:solidFill>
@@ -11668,7 +11673,7 @@
               </a:ln>
               <a:extLst>
                 <a:ext uri="{91240B29-F687-4f45-9708-019B960494DF}">
-                  <a14:hiddenLine xmlns:a14="http://schemas.microsoft.com/office/drawing/2010/main" xmlns="" w="9525">
+                  <a14:hiddenLine xmlns="" xmlns:a14="http://schemas.microsoft.com/office/drawing/2010/main" w="9525">
                     <a:solidFill>
                       <a:srgbClr val="000000"/>
                     </a:solidFill>
@@ -11758,7 +11763,7 @@
               </a:ln>
               <a:extLst>
                 <a:ext uri="{91240B29-F687-4f45-9708-019B960494DF}">
-                  <a14:hiddenLine xmlns:a14="http://schemas.microsoft.com/office/drawing/2010/main" xmlns="" w="9525">
+                  <a14:hiddenLine xmlns="" xmlns:a14="http://schemas.microsoft.com/office/drawing/2010/main" w="9525">
                     <a:solidFill>
                       <a:srgbClr val="000000"/>
                     </a:solidFill>
@@ -11792,7 +11797,7 @@
               </a:ln>
               <a:extLst>
                 <a:ext uri="{91240B29-F687-4f45-9708-019B960494DF}">
-                  <a14:hiddenLine xmlns:a14="http://schemas.microsoft.com/office/drawing/2010/main" xmlns="" w="9525">
+                  <a14:hiddenLine xmlns="" xmlns:a14="http://schemas.microsoft.com/office/drawing/2010/main" w="9525">
                     <a:solidFill>
                       <a:srgbClr val="000000"/>
                     </a:solidFill>
@@ -11933,7 +11938,7 @@
             <a:fld id="{48A87A34-81AB-432B-8DAE-1953F412C126}" type="datetimeFigureOut">
               <a:rPr lang="en-US" dirty="0"/>
               <a:pPr/>
-              <a:t>1/24/2018</a:t>
+              <a:t>1/29/2018</a:t>
             </a:fld>
             <a:endParaRPr lang="en-US" dirty="0"/>
           </a:p>
@@ -12012,7 +12017,7 @@
             <a:fld id="{6D22F896-40B5-4ADD-8801-0D06FADFA095}" type="slidenum">
               <a:rPr lang="en-US" dirty="0"/>
               <a:pPr/>
-              <a:t>‹N°›</a:t>
+              <a:t>‹#›</a:t>
             </a:fld>
             <a:endParaRPr lang="en-US" dirty="0"/>
           </a:p>
@@ -12615,6 +12620,13 @@
   <p:clrMapOvr>
     <a:masterClrMapping/>
   </p:clrMapOvr>
+  <p:timing>
+    <p:tnLst>
+      <p:par>
+        <p:cTn id="1" dur="indefinite" restart="never" nodeType="tmRoot"/>
+      </p:par>
+    </p:tnLst>
+  </p:timing>
 </p:sld>
 </file>
 
@@ -12637,6 +12649,194 @@
       </p:grpSpPr>
       <p:sp>
         <p:nvSpPr>
+          <p:cNvPr id="34" name="TextBox 33"/>
+          <p:cNvSpPr txBox="1"/>
+          <p:nvPr/>
+        </p:nvSpPr>
+        <p:spPr>
+          <a:xfrm>
+            <a:off x="5052689" y="4934768"/>
+            <a:ext cx="2523281" cy="369332"/>
+          </a:xfrm>
+          <a:prstGeom prst="rect">
+            <a:avLst/>
+          </a:prstGeom>
+          <a:noFill/>
+        </p:spPr>
+        <p:txBody>
+          <a:bodyPr wrap="square" rtlCol="0">
+            <a:spAutoFit/>
+          </a:bodyPr>
+          <a:lstStyle/>
+          <a:p>
+            <a:r>
+              <a:rPr lang="fr-FR" dirty="0" smtClean="0"/>
+              <a:t>Gestion des formations</a:t>
+            </a:r>
+            <a:endParaRPr lang="fr-FR" dirty="0"/>
+          </a:p>
+        </p:txBody>
+      </p:sp>
+      <p:grpSp>
+        <p:nvGrpSpPr>
+          <p:cNvPr id="11" name="Group 10"/>
+          <p:cNvGrpSpPr/>
+          <p:nvPr/>
+        </p:nvGrpSpPr>
+        <p:grpSpPr>
+          <a:xfrm rot="10800000">
+            <a:off x="6540377" y="3889094"/>
+            <a:ext cx="2071188" cy="1886674"/>
+            <a:chOff x="6540377" y="3889094"/>
+            <a:chExt cx="2071188" cy="1886674"/>
+          </a:xfrm>
+        </p:grpSpPr>
+        <p:cxnSp>
+          <p:nvCxnSpPr>
+            <p:cNvPr id="6" name="Straight Connector 5"/>
+            <p:cNvCxnSpPr/>
+            <p:nvPr/>
+          </p:nvCxnSpPr>
+          <p:spPr>
+            <a:xfrm flipH="1">
+              <a:off x="7575971" y="3889094"/>
+              <a:ext cx="1035594" cy="943337"/>
+            </a:xfrm>
+            <a:prstGeom prst="line">
+              <a:avLst/>
+            </a:prstGeom>
+            <a:ln w="38100"/>
+          </p:spPr>
+          <p:style>
+            <a:lnRef idx="1">
+              <a:schemeClr val="accent1"/>
+            </a:lnRef>
+            <a:fillRef idx="0">
+              <a:schemeClr val="accent1"/>
+            </a:fillRef>
+            <a:effectRef idx="0">
+              <a:schemeClr val="accent1"/>
+            </a:effectRef>
+            <a:fontRef idx="minor">
+              <a:schemeClr val="tx1"/>
+            </a:fontRef>
+          </p:style>
+        </p:cxnSp>
+        <p:cxnSp>
+          <p:nvCxnSpPr>
+            <p:cNvPr id="10" name="Straight Connector 9"/>
+            <p:cNvCxnSpPr/>
+            <p:nvPr/>
+          </p:nvCxnSpPr>
+          <p:spPr>
+            <a:xfrm flipH="1">
+              <a:off x="6540377" y="4832431"/>
+              <a:ext cx="1035594" cy="943337"/>
+            </a:xfrm>
+            <a:prstGeom prst="line">
+              <a:avLst/>
+            </a:prstGeom>
+            <a:ln>
+              <a:noFill/>
+            </a:ln>
+          </p:spPr>
+          <p:style>
+            <a:lnRef idx="1">
+              <a:schemeClr val="dk1"/>
+            </a:lnRef>
+            <a:fillRef idx="0">
+              <a:schemeClr val="dk1"/>
+            </a:fillRef>
+            <a:effectRef idx="0">
+              <a:schemeClr val="dk1"/>
+            </a:effectRef>
+            <a:fontRef idx="minor">
+              <a:schemeClr val="tx1"/>
+            </a:fontRef>
+          </p:style>
+        </p:cxnSp>
+      </p:grpSp>
+      <p:grpSp>
+        <p:nvGrpSpPr>
+          <p:cNvPr id="12" name="Group 11"/>
+          <p:cNvGrpSpPr/>
+          <p:nvPr/>
+        </p:nvGrpSpPr>
+        <p:grpSpPr>
+          <a:xfrm rot="10800000" flipH="1">
+            <a:off x="3577258" y="3889095"/>
+            <a:ext cx="2071188" cy="1886674"/>
+            <a:chOff x="6540377" y="3889094"/>
+            <a:chExt cx="2071188" cy="1886674"/>
+          </a:xfrm>
+        </p:grpSpPr>
+        <p:cxnSp>
+          <p:nvCxnSpPr>
+            <p:cNvPr id="13" name="Straight Connector 12"/>
+            <p:cNvCxnSpPr/>
+            <p:nvPr/>
+          </p:nvCxnSpPr>
+          <p:spPr>
+            <a:xfrm flipH="1">
+              <a:off x="7575971" y="3889094"/>
+              <a:ext cx="1035594" cy="943337"/>
+            </a:xfrm>
+            <a:prstGeom prst="line">
+              <a:avLst/>
+            </a:prstGeom>
+            <a:ln w="38100"/>
+          </p:spPr>
+          <p:style>
+            <a:lnRef idx="1">
+              <a:schemeClr val="accent1"/>
+            </a:lnRef>
+            <a:fillRef idx="0">
+              <a:schemeClr val="accent1"/>
+            </a:fillRef>
+            <a:effectRef idx="0">
+              <a:schemeClr val="accent1"/>
+            </a:effectRef>
+            <a:fontRef idx="minor">
+              <a:schemeClr val="tx1"/>
+            </a:fontRef>
+          </p:style>
+        </p:cxnSp>
+        <p:cxnSp>
+          <p:nvCxnSpPr>
+            <p:cNvPr id="14" name="Straight Connector 13"/>
+            <p:cNvCxnSpPr/>
+            <p:nvPr/>
+          </p:nvCxnSpPr>
+          <p:spPr>
+            <a:xfrm flipH="1">
+              <a:off x="6540377" y="4832431"/>
+              <a:ext cx="1035594" cy="943337"/>
+            </a:xfrm>
+            <a:prstGeom prst="line">
+              <a:avLst/>
+            </a:prstGeom>
+            <a:ln>
+              <a:noFill/>
+            </a:ln>
+          </p:spPr>
+          <p:style>
+            <a:lnRef idx="1">
+              <a:schemeClr val="dk1"/>
+            </a:lnRef>
+            <a:fillRef idx="0">
+              <a:schemeClr val="dk1"/>
+            </a:fillRef>
+            <a:effectRef idx="0">
+              <a:schemeClr val="dk1"/>
+            </a:effectRef>
+            <a:fontRef idx="minor">
+              <a:schemeClr val="tx1"/>
+            </a:fontRef>
+          </p:style>
+        </p:cxnSp>
+      </p:grpSp>
+      <p:sp>
+        <p:nvSpPr>
           <p:cNvPr id="2" name="Titre 1"/>
           <p:cNvSpPr>
             <a:spLocks noGrp="1"/>
@@ -12666,19 +12866,292 @@
       </p:sp>
       <p:sp>
         <p:nvSpPr>
-          <p:cNvPr id="3" name="Espace réservé du contenu 2"/>
-          <p:cNvSpPr>
-            <a:spLocks noGrp="1"/>
-          </p:cNvSpPr>
-          <p:nvPr>
-            <p:ph idx="1"/>
-          </p:nvPr>
+          <p:cNvPr id="4" name="Rectangle 3"/>
+          <p:cNvSpPr/>
+          <p:nvPr/>
         </p:nvSpPr>
-        <p:spPr/>
+        <p:spPr>
+          <a:xfrm>
+            <a:off x="4612852" y="4832431"/>
+            <a:ext cx="2963119" cy="2025569"/>
+          </a:xfrm>
+          <a:prstGeom prst="rect">
+            <a:avLst/>
+          </a:prstGeom>
+        </p:spPr>
+        <p:style>
+          <a:lnRef idx="2">
+            <a:schemeClr val="accent1">
+              <a:shade val="50000"/>
+            </a:schemeClr>
+          </a:lnRef>
+          <a:fillRef idx="1">
+            <a:schemeClr val="accent1"/>
+          </a:fillRef>
+          <a:effectRef idx="0">
+            <a:schemeClr val="accent1"/>
+          </a:effectRef>
+          <a:fontRef idx="minor">
+            <a:schemeClr val="lt1"/>
+          </a:fontRef>
+        </p:style>
         <p:txBody>
-          <a:bodyPr/>
+          <a:bodyPr rtlCol="0" anchor="ctr"/>
           <a:lstStyle/>
           <a:p>
+            <a:pPr algn="ctr"/>
+            <a:r>
+              <a:rPr lang="fr-FR" sz="3600" dirty="0" smtClean="0"/>
+              <a:t>Application de gestion de formation</a:t>
+            </a:r>
+            <a:endParaRPr lang="fr-FR" sz="3600" dirty="0"/>
+          </a:p>
+        </p:txBody>
+      </p:sp>
+      <p:sp>
+        <p:nvSpPr>
+          <p:cNvPr id="44" name="TextBox 43"/>
+          <p:cNvSpPr txBox="1"/>
+          <p:nvPr/>
+        </p:nvSpPr>
+        <p:spPr>
+          <a:xfrm>
+            <a:off x="7957255" y="2915350"/>
+            <a:ext cx="3409085" cy="369332"/>
+          </a:xfrm>
+          <a:prstGeom prst="rect">
+            <a:avLst/>
+          </a:prstGeom>
+          <a:noFill/>
+        </p:spPr>
+        <p:txBody>
+          <a:bodyPr wrap="square" rtlCol="0">
+            <a:spAutoFit/>
+          </a:bodyPr>
+          <a:lstStyle/>
+          <a:p>
+            <a:pPr algn="ctr"/>
+            <a:r>
+              <a:rPr lang="fr-FR" dirty="0" smtClean="0"/>
+              <a:t>Gestion des sessions de formation</a:t>
+            </a:r>
+            <a:endParaRPr lang="fr-FR" dirty="0"/>
+          </a:p>
+        </p:txBody>
+      </p:sp>
+      <p:sp>
+        <p:nvSpPr>
+          <p:cNvPr id="55" name="TextBox 54"/>
+          <p:cNvSpPr txBox="1"/>
+          <p:nvPr/>
+        </p:nvSpPr>
+        <p:spPr>
+          <a:xfrm>
+            <a:off x="7769221" y="2310938"/>
+            <a:ext cx="2523281" cy="646331"/>
+          </a:xfrm>
+          <a:prstGeom prst="rect">
+            <a:avLst/>
+          </a:prstGeom>
+          <a:noFill/>
+        </p:spPr>
+        <p:txBody>
+          <a:bodyPr wrap="square" rtlCol="0">
+            <a:spAutoFit/>
+          </a:bodyPr>
+          <a:lstStyle/>
+          <a:p>
+            <a:pPr algn="ctr"/>
+            <a:r>
+              <a:rPr lang="fr-FR" dirty="0" smtClean="0"/>
+              <a:t>Gestion des sessions de cursus</a:t>
+            </a:r>
+            <a:endParaRPr lang="fr-FR" dirty="0"/>
+          </a:p>
+        </p:txBody>
+      </p:sp>
+      <p:sp>
+        <p:nvSpPr>
+          <p:cNvPr id="56" name="TextBox 55"/>
+          <p:cNvSpPr txBox="1"/>
+          <p:nvPr/>
+        </p:nvSpPr>
+        <p:spPr>
+          <a:xfrm>
+            <a:off x="8400156" y="3241307"/>
+            <a:ext cx="2523281" cy="369332"/>
+          </a:xfrm>
+          <a:prstGeom prst="rect">
+            <a:avLst/>
+          </a:prstGeom>
+          <a:noFill/>
+        </p:spPr>
+        <p:txBody>
+          <a:bodyPr wrap="square" rtlCol="0">
+            <a:spAutoFit/>
+          </a:bodyPr>
+          <a:lstStyle/>
+          <a:p>
+            <a:pPr algn="ctr"/>
+            <a:r>
+              <a:rPr lang="fr-FR" dirty="0" smtClean="0"/>
+              <a:t>Gestion des cursus</a:t>
+            </a:r>
+            <a:endParaRPr lang="fr-FR" dirty="0"/>
+          </a:p>
+        </p:txBody>
+      </p:sp>
+      <p:sp>
+        <p:nvSpPr>
+          <p:cNvPr id="57" name="TextBox 56"/>
+          <p:cNvSpPr txBox="1"/>
+          <p:nvPr/>
+        </p:nvSpPr>
+        <p:spPr>
+          <a:xfrm>
+            <a:off x="8524130" y="4069425"/>
+            <a:ext cx="2523281" cy="369332"/>
+          </a:xfrm>
+          <a:prstGeom prst="rect">
+            <a:avLst/>
+          </a:prstGeom>
+          <a:noFill/>
+        </p:spPr>
+        <p:txBody>
+          <a:bodyPr wrap="square" rtlCol="0">
+            <a:spAutoFit/>
+          </a:bodyPr>
+          <a:lstStyle/>
+          <a:p>
+            <a:pPr algn="ctr"/>
+            <a:r>
+              <a:rPr lang="fr-FR" dirty="0" smtClean="0"/>
+              <a:t>Gestion des stagiaires</a:t>
+            </a:r>
+            <a:endParaRPr lang="fr-FR" dirty="0"/>
+          </a:p>
+        </p:txBody>
+      </p:sp>
+      <p:sp>
+        <p:nvSpPr>
+          <p:cNvPr id="58" name="TextBox 57"/>
+          <p:cNvSpPr txBox="1"/>
+          <p:nvPr/>
+        </p:nvSpPr>
+        <p:spPr>
+          <a:xfrm>
+            <a:off x="8567848" y="3583684"/>
+            <a:ext cx="2523281" cy="369332"/>
+          </a:xfrm>
+          <a:prstGeom prst="rect">
+            <a:avLst/>
+          </a:prstGeom>
+          <a:noFill/>
+        </p:spPr>
+        <p:txBody>
+          <a:bodyPr wrap="square" rtlCol="0">
+            <a:spAutoFit/>
+          </a:bodyPr>
+          <a:lstStyle/>
+          <a:p>
+            <a:pPr algn="ctr"/>
+            <a:r>
+              <a:rPr lang="fr-FR" dirty="0" smtClean="0"/>
+              <a:t>Gestion des formateurs</a:t>
+            </a:r>
+            <a:endParaRPr lang="fr-FR" dirty="0"/>
+          </a:p>
+        </p:txBody>
+      </p:sp>
+      <p:sp>
+        <p:nvSpPr>
+          <p:cNvPr id="59" name="TextBox 58"/>
+          <p:cNvSpPr txBox="1"/>
+          <p:nvPr/>
+        </p:nvSpPr>
+        <p:spPr>
+          <a:xfrm>
+            <a:off x="8611565" y="4728585"/>
+            <a:ext cx="2523281" cy="369332"/>
+          </a:xfrm>
+          <a:prstGeom prst="rect">
+            <a:avLst/>
+          </a:prstGeom>
+          <a:noFill/>
+        </p:spPr>
+        <p:txBody>
+          <a:bodyPr wrap="square" rtlCol="0">
+            <a:spAutoFit/>
+          </a:bodyPr>
+          <a:lstStyle/>
+          <a:p>
+            <a:pPr algn="ctr"/>
+            <a:r>
+              <a:rPr lang="fr-FR" dirty="0" smtClean="0"/>
+              <a:t>Gestion des sites</a:t>
+            </a:r>
+            <a:endParaRPr lang="fr-FR" dirty="0"/>
+          </a:p>
+        </p:txBody>
+      </p:sp>
+      <p:sp>
+        <p:nvSpPr>
+          <p:cNvPr id="60" name="TextBox 59"/>
+          <p:cNvSpPr txBox="1"/>
+          <p:nvPr/>
+        </p:nvSpPr>
+        <p:spPr>
+          <a:xfrm>
+            <a:off x="8843059" y="5406437"/>
+            <a:ext cx="2523281" cy="369332"/>
+          </a:xfrm>
+          <a:prstGeom prst="rect">
+            <a:avLst/>
+          </a:prstGeom>
+          <a:noFill/>
+        </p:spPr>
+        <p:txBody>
+          <a:bodyPr wrap="square" rtlCol="0">
+            <a:spAutoFit/>
+          </a:bodyPr>
+          <a:lstStyle/>
+          <a:p>
+            <a:pPr algn="ctr"/>
+            <a:r>
+              <a:rPr lang="fr-FR" dirty="0" smtClean="0"/>
+              <a:t>Gestion des équipements</a:t>
+            </a:r>
+            <a:endParaRPr lang="fr-FR" dirty="0"/>
+          </a:p>
+        </p:txBody>
+      </p:sp>
+      <p:sp>
+        <p:nvSpPr>
+          <p:cNvPr id="61" name="TextBox 60"/>
+          <p:cNvSpPr txBox="1"/>
+          <p:nvPr/>
+        </p:nvSpPr>
+        <p:spPr>
+          <a:xfrm>
+            <a:off x="8843058" y="5873486"/>
+            <a:ext cx="2523281" cy="646331"/>
+          </a:xfrm>
+          <a:prstGeom prst="rect">
+            <a:avLst/>
+          </a:prstGeom>
+          <a:noFill/>
+        </p:spPr>
+        <p:txBody>
+          <a:bodyPr wrap="square" rtlCol="0">
+            <a:spAutoFit/>
+          </a:bodyPr>
+          <a:lstStyle/>
+          <a:p>
+            <a:pPr algn="ctr"/>
+            <a:r>
+              <a:rPr lang="fr-FR" dirty="0" smtClean="0"/>
+              <a:t>Gestion des authentifications</a:t>
+            </a:r>
             <a:endParaRPr lang="fr-FR" dirty="0"/>
           </a:p>
         </p:txBody>
@@ -12696,9 +13169,845 @@
   <p:timing>
     <p:tnLst>
       <p:par>
-        <p:cTn id="1" dur="indefinite" restart="never" nodeType="tmRoot"/>
+        <p:cTn id="1" dur="indefinite" restart="never" nodeType="tmRoot">
+          <p:childTnLst>
+            <p:seq concurrent="1" nextAc="seek">
+              <p:cTn id="2" dur="indefinite" nodeType="mainSeq">
+                <p:childTnLst>
+                  <p:par>
+                    <p:cTn id="3" fill="hold">
+                      <p:stCondLst>
+                        <p:cond delay="indefinite"/>
+                      </p:stCondLst>
+                      <p:childTnLst>
+                        <p:par>
+                          <p:cTn id="4" fill="hold">
+                            <p:stCondLst>
+                              <p:cond delay="0"/>
+                            </p:stCondLst>
+                            <p:childTnLst>
+                              <p:par>
+                                <p:cTn id="5" presetID="2" presetClass="entr" presetSubtype="4" fill="hold" grpId="0" nodeType="clickEffect">
+                                  <p:stCondLst>
+                                    <p:cond delay="0"/>
+                                  </p:stCondLst>
+                                  <p:childTnLst>
+                                    <p:set>
+                                      <p:cBhvr>
+                                        <p:cTn id="6" dur="1" fill="hold">
+                                          <p:stCondLst>
+                                            <p:cond delay="0"/>
+                                          </p:stCondLst>
+                                        </p:cTn>
+                                        <p:tgtEl>
+                                          <p:spTgt spid="4"/>
+                                        </p:tgtEl>
+                                        <p:attrNameLst>
+                                          <p:attrName>style.visibility</p:attrName>
+                                        </p:attrNameLst>
+                                      </p:cBhvr>
+                                      <p:to>
+                                        <p:strVal val="visible"/>
+                                      </p:to>
+                                    </p:set>
+                                    <p:anim calcmode="lin" valueType="num">
+                                      <p:cBhvr additive="base">
+                                        <p:cTn id="7" dur="500" fill="hold"/>
+                                        <p:tgtEl>
+                                          <p:spTgt spid="4"/>
+                                        </p:tgtEl>
+                                        <p:attrNameLst>
+                                          <p:attrName>ppt_x</p:attrName>
+                                        </p:attrNameLst>
+                                      </p:cBhvr>
+                                      <p:tavLst>
+                                        <p:tav tm="0">
+                                          <p:val>
+                                            <p:strVal val="#ppt_x"/>
+                                          </p:val>
+                                        </p:tav>
+                                        <p:tav tm="100000">
+                                          <p:val>
+                                            <p:strVal val="#ppt_x"/>
+                                          </p:val>
+                                        </p:tav>
+                                      </p:tavLst>
+                                    </p:anim>
+                                    <p:anim calcmode="lin" valueType="num">
+                                      <p:cBhvr additive="base">
+                                        <p:cTn id="8" dur="500" fill="hold"/>
+                                        <p:tgtEl>
+                                          <p:spTgt spid="4"/>
+                                        </p:tgtEl>
+                                        <p:attrNameLst>
+                                          <p:attrName>ppt_y</p:attrName>
+                                        </p:attrNameLst>
+                                      </p:cBhvr>
+                                      <p:tavLst>
+                                        <p:tav tm="0">
+                                          <p:val>
+                                            <p:strVal val="1+#ppt_h/2"/>
+                                          </p:val>
+                                        </p:tav>
+                                        <p:tav tm="100000">
+                                          <p:val>
+                                            <p:strVal val="#ppt_y"/>
+                                          </p:val>
+                                        </p:tav>
+                                      </p:tavLst>
+                                    </p:anim>
+                                  </p:childTnLst>
+                                </p:cTn>
+                              </p:par>
+                            </p:childTnLst>
+                          </p:cTn>
+                        </p:par>
+                      </p:childTnLst>
+                    </p:cTn>
+                  </p:par>
+                  <p:par>
+                    <p:cTn id="9" fill="hold">
+                      <p:stCondLst>
+                        <p:cond delay="indefinite"/>
+                      </p:stCondLst>
+                      <p:childTnLst>
+                        <p:par>
+                          <p:cTn id="10" fill="hold">
+                            <p:stCondLst>
+                              <p:cond delay="0"/>
+                            </p:stCondLst>
+                            <p:childTnLst>
+                              <p:par>
+                                <p:cTn id="11" presetID="1" presetClass="entr" presetSubtype="0" fill="hold" nodeType="clickEffect">
+                                  <p:stCondLst>
+                                    <p:cond delay="0"/>
+                                  </p:stCondLst>
+                                  <p:childTnLst>
+                                    <p:set>
+                                      <p:cBhvr>
+                                        <p:cTn id="12" dur="1" fill="hold">
+                                          <p:stCondLst>
+                                            <p:cond delay="0"/>
+                                          </p:stCondLst>
+                                        </p:cTn>
+                                        <p:tgtEl>
+                                          <p:spTgt spid="11"/>
+                                        </p:tgtEl>
+                                        <p:attrNameLst>
+                                          <p:attrName>style.visibility</p:attrName>
+                                        </p:attrNameLst>
+                                      </p:cBhvr>
+                                      <p:to>
+                                        <p:strVal val="visible"/>
+                                      </p:to>
+                                    </p:set>
+                                  </p:childTnLst>
+                                </p:cTn>
+                              </p:par>
+                              <p:par>
+                                <p:cTn id="13" presetID="1" presetClass="entr" presetSubtype="0" fill="hold" nodeType="withEffect">
+                                  <p:stCondLst>
+                                    <p:cond delay="0"/>
+                                  </p:stCondLst>
+                                  <p:childTnLst>
+                                    <p:set>
+                                      <p:cBhvr>
+                                        <p:cTn id="14" dur="1" fill="hold">
+                                          <p:stCondLst>
+                                            <p:cond delay="0"/>
+                                          </p:stCondLst>
+                                        </p:cTn>
+                                        <p:tgtEl>
+                                          <p:spTgt spid="12"/>
+                                        </p:tgtEl>
+                                        <p:attrNameLst>
+                                          <p:attrName>style.visibility</p:attrName>
+                                        </p:attrNameLst>
+                                      </p:cBhvr>
+                                      <p:to>
+                                        <p:strVal val="visible"/>
+                                      </p:to>
+                                    </p:set>
+                                  </p:childTnLst>
+                                </p:cTn>
+                              </p:par>
+                              <p:par>
+                                <p:cTn id="15" presetID="8" presetClass="emph" presetSubtype="0" fill="hold" nodeType="withEffect">
+                                  <p:stCondLst>
+                                    <p:cond delay="0"/>
+                                  </p:stCondLst>
+                                  <p:childTnLst>
+                                    <p:animRot by="10800000">
+                                      <p:cBhvr>
+                                        <p:cTn id="16" dur="500" fill="hold"/>
+                                        <p:tgtEl>
+                                          <p:spTgt spid="11"/>
+                                        </p:tgtEl>
+                                        <p:attrNameLst>
+                                          <p:attrName>r</p:attrName>
+                                        </p:attrNameLst>
+                                      </p:cBhvr>
+                                    </p:animRot>
+                                  </p:childTnLst>
+                                </p:cTn>
+                              </p:par>
+                              <p:par>
+                                <p:cTn id="17" presetID="8" presetClass="emph" presetSubtype="0" fill="hold" nodeType="withEffect">
+                                  <p:stCondLst>
+                                    <p:cond delay="0"/>
+                                  </p:stCondLst>
+                                  <p:childTnLst>
+                                    <p:animRot by="-10800000">
+                                      <p:cBhvr>
+                                        <p:cTn id="18" dur="500" fill="hold"/>
+                                        <p:tgtEl>
+                                          <p:spTgt spid="12"/>
+                                        </p:tgtEl>
+                                        <p:attrNameLst>
+                                          <p:attrName>r</p:attrName>
+                                        </p:attrNameLst>
+                                      </p:cBhvr>
+                                    </p:animRot>
+                                  </p:childTnLst>
+                                </p:cTn>
+                              </p:par>
+                            </p:childTnLst>
+                          </p:cTn>
+                        </p:par>
+                      </p:childTnLst>
+                    </p:cTn>
+                  </p:par>
+                  <p:par>
+                    <p:cTn id="19" fill="hold">
+                      <p:stCondLst>
+                        <p:cond delay="indefinite"/>
+                      </p:stCondLst>
+                      <p:childTnLst>
+                        <p:par>
+                          <p:cTn id="20" fill="hold">
+                            <p:stCondLst>
+                              <p:cond delay="0"/>
+                            </p:stCondLst>
+                            <p:childTnLst>
+                              <p:par>
+                                <p:cTn id="21" presetID="50" presetClass="path" presetSubtype="0" accel="50000" decel="50000" fill="hold" grpId="0" nodeType="clickEffect">
+                                  <p:stCondLst>
+                                    <p:cond delay="0"/>
+                                  </p:stCondLst>
+                                  <p:childTnLst>
+                                    <p:animMotion origin="layout" path="M -0.30208 -0.42153 L -0.15104 -0.42153 C -0.08346 -0.42153 4.16667E-7 -0.30533 4.16667E-7 -0.21088 L 4.16667E-7 1.48148E-6 " pathEditMode="relative" rAng="0" ptsTypes="AAAA">
+                                      <p:cBhvr>
+                                        <p:cTn id="22" dur="2000" spd="-100000" fill="hold"/>
+                                        <p:tgtEl>
+                                          <p:spTgt spid="34"/>
+                                        </p:tgtEl>
+                                        <p:attrNameLst>
+                                          <p:attrName>ppt_x</p:attrName>
+                                          <p:attrName>ppt_y</p:attrName>
+                                        </p:attrNameLst>
+                                      </p:cBhvr>
+                                      <p:rCtr x="15104" y="21065"/>
+                                    </p:animMotion>
+                                  </p:childTnLst>
+                                </p:cTn>
+                              </p:par>
+                            </p:childTnLst>
+                          </p:cTn>
+                        </p:par>
+                      </p:childTnLst>
+                    </p:cTn>
+                  </p:par>
+                  <p:par>
+                    <p:cTn id="23" fill="hold">
+                      <p:stCondLst>
+                        <p:cond delay="indefinite"/>
+                      </p:stCondLst>
+                      <p:childTnLst>
+                        <p:par>
+                          <p:cTn id="24" fill="hold">
+                            <p:stCondLst>
+                              <p:cond delay="0"/>
+                            </p:stCondLst>
+                            <p:childTnLst>
+                              <p:par>
+                                <p:cTn id="25" presetID="2" presetClass="exit" presetSubtype="4" fill="hold" grpId="1" nodeType="clickEffect">
+                                  <p:stCondLst>
+                                    <p:cond delay="0"/>
+                                  </p:stCondLst>
+                                  <p:childTnLst>
+                                    <p:anim calcmode="lin" valueType="num">
+                                      <p:cBhvr additive="base">
+                                        <p:cTn id="26" dur="500"/>
+                                        <p:tgtEl>
+                                          <p:spTgt spid="4"/>
+                                        </p:tgtEl>
+                                        <p:attrNameLst>
+                                          <p:attrName>ppt_x</p:attrName>
+                                        </p:attrNameLst>
+                                      </p:cBhvr>
+                                      <p:tavLst>
+                                        <p:tav tm="0">
+                                          <p:val>
+                                            <p:strVal val="ppt_x"/>
+                                          </p:val>
+                                        </p:tav>
+                                        <p:tav tm="100000">
+                                          <p:val>
+                                            <p:strVal val="ppt_x"/>
+                                          </p:val>
+                                        </p:tav>
+                                      </p:tavLst>
+                                    </p:anim>
+                                    <p:anim calcmode="lin" valueType="num">
+                                      <p:cBhvr additive="base">
+                                        <p:cTn id="27" dur="500"/>
+                                        <p:tgtEl>
+                                          <p:spTgt spid="4"/>
+                                        </p:tgtEl>
+                                        <p:attrNameLst>
+                                          <p:attrName>ppt_y</p:attrName>
+                                        </p:attrNameLst>
+                                      </p:cBhvr>
+                                      <p:tavLst>
+                                        <p:tav tm="0">
+                                          <p:val>
+                                            <p:strVal val="ppt_y"/>
+                                          </p:val>
+                                        </p:tav>
+                                        <p:tav tm="100000">
+                                          <p:val>
+                                            <p:strVal val="1+ppt_h/2"/>
+                                          </p:val>
+                                        </p:tav>
+                                      </p:tavLst>
+                                    </p:anim>
+                                    <p:set>
+                                      <p:cBhvr>
+                                        <p:cTn id="28" dur="1" fill="hold">
+                                          <p:stCondLst>
+                                            <p:cond delay="499"/>
+                                          </p:stCondLst>
+                                        </p:cTn>
+                                        <p:tgtEl>
+                                          <p:spTgt spid="4"/>
+                                        </p:tgtEl>
+                                        <p:attrNameLst>
+                                          <p:attrName>style.visibility</p:attrName>
+                                        </p:attrNameLst>
+                                      </p:cBhvr>
+                                      <p:to>
+                                        <p:strVal val="hidden"/>
+                                      </p:to>
+                                    </p:set>
+                                  </p:childTnLst>
+                                </p:cTn>
+                              </p:par>
+                              <p:par>
+                                <p:cTn id="29" presetID="2" presetClass="exit" presetSubtype="4" fill="hold" nodeType="withEffect">
+                                  <p:stCondLst>
+                                    <p:cond delay="0"/>
+                                  </p:stCondLst>
+                                  <p:childTnLst>
+                                    <p:anim calcmode="lin" valueType="num">
+                                      <p:cBhvr additive="base">
+                                        <p:cTn id="30" dur="500"/>
+                                        <p:tgtEl>
+                                          <p:spTgt spid="11"/>
+                                        </p:tgtEl>
+                                        <p:attrNameLst>
+                                          <p:attrName>ppt_x</p:attrName>
+                                        </p:attrNameLst>
+                                      </p:cBhvr>
+                                      <p:tavLst>
+                                        <p:tav tm="0">
+                                          <p:val>
+                                            <p:strVal val="ppt_x"/>
+                                          </p:val>
+                                        </p:tav>
+                                        <p:tav tm="100000">
+                                          <p:val>
+                                            <p:strVal val="ppt_x"/>
+                                          </p:val>
+                                        </p:tav>
+                                      </p:tavLst>
+                                    </p:anim>
+                                    <p:anim calcmode="lin" valueType="num">
+                                      <p:cBhvr additive="base">
+                                        <p:cTn id="31" dur="500"/>
+                                        <p:tgtEl>
+                                          <p:spTgt spid="11"/>
+                                        </p:tgtEl>
+                                        <p:attrNameLst>
+                                          <p:attrName>ppt_y</p:attrName>
+                                        </p:attrNameLst>
+                                      </p:cBhvr>
+                                      <p:tavLst>
+                                        <p:tav tm="0">
+                                          <p:val>
+                                            <p:strVal val="ppt_y"/>
+                                          </p:val>
+                                        </p:tav>
+                                        <p:tav tm="100000">
+                                          <p:val>
+                                            <p:strVal val="1+ppt_h/2"/>
+                                          </p:val>
+                                        </p:tav>
+                                      </p:tavLst>
+                                    </p:anim>
+                                    <p:set>
+                                      <p:cBhvr>
+                                        <p:cTn id="32" dur="1" fill="hold">
+                                          <p:stCondLst>
+                                            <p:cond delay="499"/>
+                                          </p:stCondLst>
+                                        </p:cTn>
+                                        <p:tgtEl>
+                                          <p:spTgt spid="11"/>
+                                        </p:tgtEl>
+                                        <p:attrNameLst>
+                                          <p:attrName>style.visibility</p:attrName>
+                                        </p:attrNameLst>
+                                      </p:cBhvr>
+                                      <p:to>
+                                        <p:strVal val="hidden"/>
+                                      </p:to>
+                                    </p:set>
+                                  </p:childTnLst>
+                                </p:cTn>
+                              </p:par>
+                              <p:par>
+                                <p:cTn id="33" presetID="2" presetClass="exit" presetSubtype="4" fill="hold" nodeType="withEffect">
+                                  <p:stCondLst>
+                                    <p:cond delay="0"/>
+                                  </p:stCondLst>
+                                  <p:childTnLst>
+                                    <p:anim calcmode="lin" valueType="num">
+                                      <p:cBhvr additive="base">
+                                        <p:cTn id="34" dur="500"/>
+                                        <p:tgtEl>
+                                          <p:spTgt spid="12"/>
+                                        </p:tgtEl>
+                                        <p:attrNameLst>
+                                          <p:attrName>ppt_x</p:attrName>
+                                        </p:attrNameLst>
+                                      </p:cBhvr>
+                                      <p:tavLst>
+                                        <p:tav tm="0">
+                                          <p:val>
+                                            <p:strVal val="ppt_x"/>
+                                          </p:val>
+                                        </p:tav>
+                                        <p:tav tm="100000">
+                                          <p:val>
+                                            <p:strVal val="ppt_x"/>
+                                          </p:val>
+                                        </p:tav>
+                                      </p:tavLst>
+                                    </p:anim>
+                                    <p:anim calcmode="lin" valueType="num">
+                                      <p:cBhvr additive="base">
+                                        <p:cTn id="35" dur="500"/>
+                                        <p:tgtEl>
+                                          <p:spTgt spid="12"/>
+                                        </p:tgtEl>
+                                        <p:attrNameLst>
+                                          <p:attrName>ppt_y</p:attrName>
+                                        </p:attrNameLst>
+                                      </p:cBhvr>
+                                      <p:tavLst>
+                                        <p:tav tm="0">
+                                          <p:val>
+                                            <p:strVal val="ppt_y"/>
+                                          </p:val>
+                                        </p:tav>
+                                        <p:tav tm="100000">
+                                          <p:val>
+                                            <p:strVal val="1+ppt_h/2"/>
+                                          </p:val>
+                                        </p:tav>
+                                      </p:tavLst>
+                                    </p:anim>
+                                    <p:set>
+                                      <p:cBhvr>
+                                        <p:cTn id="36" dur="1" fill="hold">
+                                          <p:stCondLst>
+                                            <p:cond delay="499"/>
+                                          </p:stCondLst>
+                                        </p:cTn>
+                                        <p:tgtEl>
+                                          <p:spTgt spid="12"/>
+                                        </p:tgtEl>
+                                        <p:attrNameLst>
+                                          <p:attrName>style.visibility</p:attrName>
+                                        </p:attrNameLst>
+                                      </p:cBhvr>
+                                      <p:to>
+                                        <p:strVal val="hidden"/>
+                                      </p:to>
+                                    </p:set>
+                                  </p:childTnLst>
+                                </p:cTn>
+                              </p:par>
+                            </p:childTnLst>
+                          </p:cTn>
+                        </p:par>
+                      </p:childTnLst>
+                    </p:cTn>
+                  </p:par>
+                  <p:par>
+                    <p:cTn id="37" fill="hold">
+                      <p:stCondLst>
+                        <p:cond delay="indefinite"/>
+                      </p:stCondLst>
+                      <p:childTnLst>
+                        <p:par>
+                          <p:cTn id="38" fill="hold">
+                            <p:stCondLst>
+                              <p:cond delay="0"/>
+                            </p:stCondLst>
+                            <p:childTnLst>
+                              <p:par>
+                                <p:cTn id="39" presetID="50" presetClass="path" presetSubtype="0" accel="50000" decel="50000" fill="hold" grpId="0" nodeType="clickEffect">
+                                  <p:stCondLst>
+                                    <p:cond delay="0"/>
+                                  </p:stCondLst>
+                                  <p:childTnLst>
+                                    <p:animMotion origin="layout" path="M -0.30209 -0.42153 L -0.15104 -0.42153 C -0.08347 -0.42153 2.08333E-6 -0.30532 2.08333E-6 -0.21088 L 2.08333E-6 -1.85185E-6 " pathEditMode="relative" rAng="0" ptsTypes="AAAA">
+                                      <p:cBhvr>
+                                        <p:cTn id="40" dur="2000" spd="-100000" fill="hold"/>
+                                        <p:tgtEl>
+                                          <p:spTgt spid="44"/>
+                                        </p:tgtEl>
+                                        <p:attrNameLst>
+                                          <p:attrName>ppt_x</p:attrName>
+                                          <p:attrName>ppt_y</p:attrName>
+                                        </p:attrNameLst>
+                                      </p:cBhvr>
+                                      <p:rCtr x="15104" y="21065"/>
+                                    </p:animMotion>
+                                  </p:childTnLst>
+                                </p:cTn>
+                              </p:par>
+                            </p:childTnLst>
+                          </p:cTn>
+                        </p:par>
+                      </p:childTnLst>
+                    </p:cTn>
+                  </p:par>
+                  <p:par>
+                    <p:cTn id="41" fill="hold">
+                      <p:stCondLst>
+                        <p:cond delay="indefinite"/>
+                      </p:stCondLst>
+                      <p:childTnLst>
+                        <p:par>
+                          <p:cTn id="42" fill="hold">
+                            <p:stCondLst>
+                              <p:cond delay="0"/>
+                            </p:stCondLst>
+                            <p:childTnLst>
+                              <p:par>
+                                <p:cTn id="43" presetID="50" presetClass="path" presetSubtype="0" accel="50000" decel="50000" fill="hold" grpId="0" nodeType="clickEffect">
+                                  <p:stCondLst>
+                                    <p:cond delay="0"/>
+                                  </p:stCondLst>
+                                  <p:childTnLst>
+                                    <p:animMotion origin="layout" path="M -0.30209 -0.42153 L -0.15105 -0.42153 C -0.08346 -0.42153 5E-6 -0.30533 5E-6 -0.21088 L 5E-6 2.22222E-6 " pathEditMode="relative" rAng="0" ptsTypes="AAAA">
+                                      <p:cBhvr>
+                                        <p:cTn id="44" dur="2000" spd="-100000" fill="hold"/>
+                                        <p:tgtEl>
+                                          <p:spTgt spid="55"/>
+                                        </p:tgtEl>
+                                        <p:attrNameLst>
+                                          <p:attrName>ppt_x</p:attrName>
+                                          <p:attrName>ppt_y</p:attrName>
+                                        </p:attrNameLst>
+                                      </p:cBhvr>
+                                      <p:rCtr x="15104" y="21065"/>
+                                    </p:animMotion>
+                                  </p:childTnLst>
+                                </p:cTn>
+                              </p:par>
+                            </p:childTnLst>
+                          </p:cTn>
+                        </p:par>
+                      </p:childTnLst>
+                    </p:cTn>
+                  </p:par>
+                  <p:par>
+                    <p:cTn id="45" fill="hold">
+                      <p:stCondLst>
+                        <p:cond delay="indefinite"/>
+                      </p:stCondLst>
+                      <p:childTnLst>
+                        <p:par>
+                          <p:cTn id="46" fill="hold">
+                            <p:stCondLst>
+                              <p:cond delay="0"/>
+                            </p:stCondLst>
+                            <p:childTnLst>
+                              <p:par>
+                                <p:cTn id="47" presetID="50" presetClass="path" presetSubtype="0" accel="50000" decel="50000" fill="hold" grpId="0" nodeType="clickEffect">
+                                  <p:stCondLst>
+                                    <p:cond delay="0"/>
+                                  </p:stCondLst>
+                                  <p:childTnLst>
+                                    <p:animMotion origin="layout" path="M -0.30209 -0.42153 L -0.15104 -0.42153 C -0.08347 -0.42153 2.08333E-6 -0.30533 2.08333E-6 -0.21088 L 2.08333E-6 2.96296E-6 " pathEditMode="relative" rAng="0" ptsTypes="AAAA">
+                                      <p:cBhvr>
+                                        <p:cTn id="48" dur="2000" spd="-100000" fill="hold"/>
+                                        <p:tgtEl>
+                                          <p:spTgt spid="56"/>
+                                        </p:tgtEl>
+                                        <p:attrNameLst>
+                                          <p:attrName>ppt_x</p:attrName>
+                                          <p:attrName>ppt_y</p:attrName>
+                                        </p:attrNameLst>
+                                      </p:cBhvr>
+                                      <p:rCtr x="15104" y="21065"/>
+                                    </p:animMotion>
+                                  </p:childTnLst>
+                                </p:cTn>
+                              </p:par>
+                            </p:childTnLst>
+                          </p:cTn>
+                        </p:par>
+                      </p:childTnLst>
+                    </p:cTn>
+                  </p:par>
+                  <p:par>
+                    <p:cTn id="49" fill="hold">
+                      <p:stCondLst>
+                        <p:cond delay="indefinite"/>
+                      </p:stCondLst>
+                      <p:childTnLst>
+                        <p:par>
+                          <p:cTn id="50" fill="hold">
+                            <p:stCondLst>
+                              <p:cond delay="0"/>
+                            </p:stCondLst>
+                            <p:childTnLst>
+                              <p:par>
+                                <p:cTn id="51" presetID="50" presetClass="path" presetSubtype="0" accel="50000" decel="50000" fill="hold" grpId="0" nodeType="clickEffect">
+                                  <p:stCondLst>
+                                    <p:cond delay="0"/>
+                                  </p:stCondLst>
+                                  <p:childTnLst>
+                                    <p:animMotion origin="layout" path="M -0.30208 -0.42153 L -0.15104 -0.42153 C -0.08346 -0.42153 -4.16667E-6 -0.30533 -4.16667E-6 -0.21088 L -4.16667E-6 1.11111E-6 " pathEditMode="relative" rAng="0" ptsTypes="AAAA">
+                                      <p:cBhvr>
+                                        <p:cTn id="52" dur="2000" spd="-100000" fill="hold"/>
+                                        <p:tgtEl>
+                                          <p:spTgt spid="57"/>
+                                        </p:tgtEl>
+                                        <p:attrNameLst>
+                                          <p:attrName>ppt_x</p:attrName>
+                                          <p:attrName>ppt_y</p:attrName>
+                                        </p:attrNameLst>
+                                      </p:cBhvr>
+                                      <p:rCtr x="15104" y="21065"/>
+                                    </p:animMotion>
+                                  </p:childTnLst>
+                                </p:cTn>
+                              </p:par>
+                            </p:childTnLst>
+                          </p:cTn>
+                        </p:par>
+                      </p:childTnLst>
+                    </p:cTn>
+                  </p:par>
+                  <p:par>
+                    <p:cTn id="53" fill="hold">
+                      <p:stCondLst>
+                        <p:cond delay="indefinite"/>
+                      </p:stCondLst>
+                      <p:childTnLst>
+                        <p:par>
+                          <p:cTn id="54" fill="hold">
+                            <p:stCondLst>
+                              <p:cond delay="0"/>
+                            </p:stCondLst>
+                            <p:childTnLst>
+                              <p:par>
+                                <p:cTn id="55" presetID="50" presetClass="path" presetSubtype="0" accel="50000" decel="50000" fill="hold" grpId="0" nodeType="clickEffect">
+                                  <p:stCondLst>
+                                    <p:cond delay="0"/>
+                                  </p:stCondLst>
+                                  <p:childTnLst>
+                                    <p:animMotion origin="layout" path="M -0.30208 -0.42153 L -0.15104 -0.42153 C -0.08346 -0.42153 0 -0.30533 0 -0.21088 L 0 4.44444E-6 " pathEditMode="relative" rAng="0" ptsTypes="AAAA">
+                                      <p:cBhvr>
+                                        <p:cTn id="56" dur="2000" spd="-100000" fill="hold"/>
+                                        <p:tgtEl>
+                                          <p:spTgt spid="58"/>
+                                        </p:tgtEl>
+                                        <p:attrNameLst>
+                                          <p:attrName>ppt_x</p:attrName>
+                                          <p:attrName>ppt_y</p:attrName>
+                                        </p:attrNameLst>
+                                      </p:cBhvr>
+                                      <p:rCtr x="15104" y="21065"/>
+                                    </p:animMotion>
+                                  </p:childTnLst>
+                                </p:cTn>
+                              </p:par>
+                            </p:childTnLst>
+                          </p:cTn>
+                        </p:par>
+                      </p:childTnLst>
+                    </p:cTn>
+                  </p:par>
+                  <p:par>
+                    <p:cTn id="57" fill="hold">
+                      <p:stCondLst>
+                        <p:cond delay="indefinite"/>
+                      </p:stCondLst>
+                      <p:childTnLst>
+                        <p:par>
+                          <p:cTn id="58" fill="hold">
+                            <p:stCondLst>
+                              <p:cond delay="0"/>
+                            </p:stCondLst>
+                            <p:childTnLst>
+                              <p:par>
+                                <p:cTn id="59" presetID="50" presetClass="path" presetSubtype="0" accel="50000" decel="50000" fill="hold" grpId="0" nodeType="clickEffect">
+                                  <p:stCondLst>
+                                    <p:cond delay="0"/>
+                                  </p:stCondLst>
+                                  <p:childTnLst>
+                                    <p:animMotion origin="layout" path="M -0.30209 -0.42153 L -0.15105 -0.42153 C -0.08347 -0.42153 4.375E-6 -0.30533 4.375E-6 -0.21088 L 4.375E-6 4.81481E-6 " pathEditMode="relative" rAng="0" ptsTypes="AAAA">
+                                      <p:cBhvr>
+                                        <p:cTn id="60" dur="2000" spd="-100000" fill="hold"/>
+                                        <p:tgtEl>
+                                          <p:spTgt spid="59"/>
+                                        </p:tgtEl>
+                                        <p:attrNameLst>
+                                          <p:attrName>ppt_x</p:attrName>
+                                          <p:attrName>ppt_y</p:attrName>
+                                        </p:attrNameLst>
+                                      </p:cBhvr>
+                                      <p:rCtr x="15104" y="21065"/>
+                                    </p:animMotion>
+                                  </p:childTnLst>
+                                </p:cTn>
+                              </p:par>
+                            </p:childTnLst>
+                          </p:cTn>
+                        </p:par>
+                      </p:childTnLst>
+                    </p:cTn>
+                  </p:par>
+                  <p:par>
+                    <p:cTn id="61" fill="hold">
+                      <p:stCondLst>
+                        <p:cond delay="indefinite"/>
+                      </p:stCondLst>
+                      <p:childTnLst>
+                        <p:par>
+                          <p:cTn id="62" fill="hold">
+                            <p:stCondLst>
+                              <p:cond delay="0"/>
+                            </p:stCondLst>
+                            <p:childTnLst>
+                              <p:par>
+                                <p:cTn id="63" presetID="50" presetClass="path" presetSubtype="0" accel="50000" decel="50000" fill="hold" grpId="0" nodeType="clickEffect">
+                                  <p:stCondLst>
+                                    <p:cond delay="0"/>
+                                  </p:stCondLst>
+                                  <p:childTnLst>
+                                    <p:animMotion origin="layout" path="M -0.30209 -0.42153 L -0.15105 -0.42153 C -0.08347 -0.42153 3.95833E-6 -0.30533 3.95833E-6 -0.21088 L 3.95833E-6 2.22222E-6 " pathEditMode="relative" rAng="0" ptsTypes="AAAA">
+                                      <p:cBhvr>
+                                        <p:cTn id="64" dur="2000" spd="-100000" fill="hold"/>
+                                        <p:tgtEl>
+                                          <p:spTgt spid="60"/>
+                                        </p:tgtEl>
+                                        <p:attrNameLst>
+                                          <p:attrName>ppt_x</p:attrName>
+                                          <p:attrName>ppt_y</p:attrName>
+                                        </p:attrNameLst>
+                                      </p:cBhvr>
+                                      <p:rCtr x="15104" y="21065"/>
+                                    </p:animMotion>
+                                  </p:childTnLst>
+                                </p:cTn>
+                              </p:par>
+                            </p:childTnLst>
+                          </p:cTn>
+                        </p:par>
+                      </p:childTnLst>
+                    </p:cTn>
+                  </p:par>
+                  <p:par>
+                    <p:cTn id="65" fill="hold">
+                      <p:stCondLst>
+                        <p:cond delay="indefinite"/>
+                      </p:stCondLst>
+                      <p:childTnLst>
+                        <p:par>
+                          <p:cTn id="66" fill="hold">
+                            <p:stCondLst>
+                              <p:cond delay="0"/>
+                            </p:stCondLst>
+                            <p:childTnLst>
+                              <p:par>
+                                <p:cTn id="67" presetID="50" presetClass="path" presetSubtype="0" accel="50000" decel="50000" fill="hold" grpId="0" nodeType="clickEffect">
+                                  <p:stCondLst>
+                                    <p:cond delay="0"/>
+                                  </p:stCondLst>
+                                  <p:childTnLst>
+                                    <p:animMotion origin="layout" path="M -0.30209 -0.42153 L -0.15105 -0.42153 C -0.08347 -0.42153 3.95833E-6 -0.30532 3.95833E-6 -0.21088 L 3.95833E-6 -2.22222E-6 " pathEditMode="relative" rAng="0" ptsTypes="AAAA">
+                                      <p:cBhvr>
+                                        <p:cTn id="68" dur="2000" spd="-100000" fill="hold"/>
+                                        <p:tgtEl>
+                                          <p:spTgt spid="61"/>
+                                        </p:tgtEl>
+                                        <p:attrNameLst>
+                                          <p:attrName>ppt_x</p:attrName>
+                                          <p:attrName>ppt_y</p:attrName>
+                                        </p:attrNameLst>
+                                      </p:cBhvr>
+                                      <p:rCtr x="15104" y="21065"/>
+                                    </p:animMotion>
+                                  </p:childTnLst>
+                                </p:cTn>
+                              </p:par>
+                            </p:childTnLst>
+                          </p:cTn>
+                        </p:par>
+                      </p:childTnLst>
+                    </p:cTn>
+                  </p:par>
+                </p:childTnLst>
+              </p:cTn>
+              <p:prevCondLst>
+                <p:cond evt="onPrev" delay="0">
+                  <p:tgtEl>
+                    <p:sldTgt/>
+                  </p:tgtEl>
+                </p:cond>
+              </p:prevCondLst>
+              <p:nextCondLst>
+                <p:cond evt="onNext" delay="0">
+                  <p:tgtEl>
+                    <p:sldTgt/>
+                  </p:tgtEl>
+                </p:cond>
+              </p:nextCondLst>
+            </p:seq>
+          </p:childTnLst>
+        </p:cTn>
       </p:par>
     </p:tnLst>
+    <p:bldLst>
+      <p:bldP spid="34" grpId="0"/>
+      <p:bldP spid="4" grpId="0" animBg="1"/>
+      <p:bldP spid="4" grpId="1" animBg="1"/>
+      <p:bldP spid="44" grpId="0"/>
+      <p:bldP spid="55" grpId="0"/>
+      <p:bldP spid="56" grpId="0"/>
+      <p:bldP spid="57" grpId="0"/>
+      <p:bldP spid="58" grpId="0"/>
+      <p:bldP spid="59" grpId="0"/>
+      <p:bldP spid="60" grpId="0"/>
+      <p:bldP spid="61" grpId="0"/>
+    </p:bldLst>
   </p:timing>
 </p:sld>
 </file>
@@ -12896,56 +14205,13 @@
       </p:sp>
       <p:sp>
         <p:nvSpPr>
-          <p:cNvPr id="6" name="Rectangle 5"/>
-          <p:cNvSpPr/>
-          <p:nvPr/>
-        </p:nvSpPr>
-        <p:spPr>
-          <a:xfrm>
-            <a:off x="-16043" y="2487210"/>
-            <a:ext cx="3574583" cy="848496"/>
-          </a:xfrm>
-          <a:prstGeom prst="rect">
-            <a:avLst/>
-          </a:prstGeom>
-          <a:ln>
-            <a:noFill/>
-          </a:ln>
-        </p:spPr>
-        <p:style>
-          <a:lnRef idx="2">
-            <a:schemeClr val="accent1">
-              <a:shade val="50000"/>
-            </a:schemeClr>
-          </a:lnRef>
-          <a:fillRef idx="1">
-            <a:schemeClr val="accent1"/>
-          </a:fillRef>
-          <a:effectRef idx="0">
-            <a:schemeClr val="accent1"/>
-          </a:effectRef>
-          <a:fontRef idx="minor">
-            <a:schemeClr val="lt1"/>
-          </a:fontRef>
-        </p:style>
-        <p:txBody>
-          <a:bodyPr rtlCol="0" anchor="ctr"/>
-          <a:lstStyle/>
-          <a:p>
-            <a:pPr algn="ctr"/>
-            <a:endParaRPr lang="fr-FR"/>
-          </a:p>
-        </p:txBody>
-      </p:sp>
-      <p:sp>
-        <p:nvSpPr>
           <p:cNvPr id="9" name="Flèche droite 8"/>
           <p:cNvSpPr/>
           <p:nvPr/>
         </p:nvSpPr>
         <p:spPr>
           <a:xfrm>
-            <a:off x="7284720" y="2073465"/>
+            <a:off x="7284720" y="2073122"/>
             <a:ext cx="4730816" cy="1687790"/>
           </a:xfrm>
           <a:prstGeom prst="rightArrow">
@@ -12985,13 +14251,187 @@
       </p:sp>
       <p:sp>
         <p:nvSpPr>
-          <p:cNvPr id="10" name="Rectangle 9"/>
+          <p:cNvPr id="3" name="Rectangle 2"/>
           <p:cNvSpPr/>
           <p:nvPr/>
         </p:nvSpPr>
         <p:spPr>
           <a:xfrm>
-            <a:off x="3558540" y="2487828"/>
+            <a:off x="0" y="3243923"/>
+            <a:ext cx="3558540" cy="3324055"/>
+          </a:xfrm>
+          <a:prstGeom prst="rect">
+            <a:avLst/>
+          </a:prstGeom>
+          <a:ln w="57150"/>
+        </p:spPr>
+        <p:style>
+          <a:lnRef idx="2">
+            <a:schemeClr val="accent1">
+              <a:shade val="50000"/>
+            </a:schemeClr>
+          </a:lnRef>
+          <a:fillRef idx="1">
+            <a:schemeClr val="accent1"/>
+          </a:fillRef>
+          <a:effectRef idx="0">
+            <a:schemeClr val="accent1"/>
+          </a:effectRef>
+          <a:fontRef idx="minor">
+            <a:schemeClr val="lt1"/>
+          </a:fontRef>
+        </p:style>
+        <p:txBody>
+          <a:bodyPr rtlCol="0" anchor="ctr"/>
+          <a:lstStyle/>
+          <a:p>
+            <a:pPr marL="285750" indent="-285750" algn="ctr">
+              <a:buFontTx/>
+              <a:buChar char="-"/>
+            </a:pPr>
+            <a:r>
+              <a:rPr lang="fr-FR" sz="3200" dirty="0" smtClean="0"/>
+              <a:t>Connexion à la base</a:t>
+            </a:r>
+          </a:p>
+          <a:p>
+            <a:pPr marL="285750" indent="-285750" algn="ctr">
+              <a:buFontTx/>
+              <a:buChar char="-"/>
+            </a:pPr>
+            <a:r>
+              <a:rPr lang="fr-FR" sz="3200" dirty="0" smtClean="0"/>
+              <a:t>Mise en place de l’environnement</a:t>
+            </a:r>
+            <a:endParaRPr lang="fr-FR" sz="3200" dirty="0"/>
+          </a:p>
+        </p:txBody>
+      </p:sp>
+      <p:sp>
+        <p:nvSpPr>
+          <p:cNvPr id="12" name="Rectangle 11"/>
+          <p:cNvSpPr/>
+          <p:nvPr/>
+        </p:nvSpPr>
+        <p:spPr>
+          <a:xfrm>
+            <a:off x="3558540" y="3243923"/>
+            <a:ext cx="3726180" cy="3324055"/>
+          </a:xfrm>
+          <a:prstGeom prst="rect">
+            <a:avLst/>
+          </a:prstGeom>
+          <a:ln w="57150"/>
+        </p:spPr>
+        <p:style>
+          <a:lnRef idx="2">
+            <a:schemeClr val="accent1">
+              <a:shade val="50000"/>
+            </a:schemeClr>
+          </a:lnRef>
+          <a:fillRef idx="1">
+            <a:schemeClr val="accent1"/>
+          </a:fillRef>
+          <a:effectRef idx="0">
+            <a:schemeClr val="accent1"/>
+          </a:effectRef>
+          <a:fontRef idx="minor">
+            <a:schemeClr val="lt1"/>
+          </a:fontRef>
+        </p:style>
+        <p:txBody>
+          <a:bodyPr rtlCol="0" anchor="ctr"/>
+          <a:lstStyle/>
+          <a:p>
+            <a:pPr marL="285750" indent="-285750" algn="ctr">
+              <a:buFontTx/>
+              <a:buChar char="-"/>
+            </a:pPr>
+            <a:r>
+              <a:rPr lang="fr-FR" sz="3200" dirty="0" smtClean="0"/>
+              <a:t>Gestion de formation</a:t>
+            </a:r>
+          </a:p>
+          <a:p>
+            <a:pPr marL="285750" indent="-285750" algn="ctr">
+              <a:buFontTx/>
+              <a:buChar char="-"/>
+            </a:pPr>
+            <a:r>
+              <a:rPr lang="fr-FR" sz="3200" dirty="0" smtClean="0"/>
+              <a:t>Gestion de session de formation</a:t>
+            </a:r>
+            <a:endParaRPr lang="fr-FR" sz="3200" dirty="0"/>
+          </a:p>
+        </p:txBody>
+      </p:sp>
+      <p:sp>
+        <p:nvSpPr>
+          <p:cNvPr id="13" name="Rectangle 12"/>
+          <p:cNvSpPr/>
+          <p:nvPr/>
+        </p:nvSpPr>
+        <p:spPr>
+          <a:xfrm>
+            <a:off x="7284721" y="3243923"/>
+            <a:ext cx="3679114" cy="3324055"/>
+          </a:xfrm>
+          <a:prstGeom prst="rect">
+            <a:avLst/>
+          </a:prstGeom>
+          <a:ln w="57150"/>
+        </p:spPr>
+        <p:style>
+          <a:lnRef idx="2">
+            <a:schemeClr val="accent1">
+              <a:shade val="50000"/>
+            </a:schemeClr>
+          </a:lnRef>
+          <a:fillRef idx="1">
+            <a:schemeClr val="accent1"/>
+          </a:fillRef>
+          <a:effectRef idx="0">
+            <a:schemeClr val="accent1"/>
+          </a:effectRef>
+          <a:fontRef idx="minor">
+            <a:schemeClr val="lt1"/>
+          </a:fontRef>
+        </p:style>
+        <p:txBody>
+          <a:bodyPr rtlCol="0" anchor="ctr"/>
+          <a:lstStyle/>
+          <a:p>
+            <a:pPr marL="285750" indent="-285750" algn="ctr">
+              <a:buFontTx/>
+              <a:buChar char="-"/>
+            </a:pPr>
+            <a:r>
+              <a:rPr lang="fr-FR" sz="3200" dirty="0" smtClean="0"/>
+              <a:t>Gestion de cursus</a:t>
+            </a:r>
+          </a:p>
+          <a:p>
+            <a:pPr marL="285750" indent="-285750" algn="ctr">
+              <a:buFontTx/>
+              <a:buChar char="-"/>
+            </a:pPr>
+            <a:r>
+              <a:rPr lang="fr-FR" sz="3200" dirty="0" smtClean="0"/>
+              <a:t>Gestion de session de cursus</a:t>
+            </a:r>
+            <a:endParaRPr lang="fr-FR" sz="3200" dirty="0"/>
+          </a:p>
+        </p:txBody>
+      </p:sp>
+      <p:sp>
+        <p:nvSpPr>
+          <p:cNvPr id="11" name="Rectangle 10"/>
+          <p:cNvSpPr/>
+          <p:nvPr/>
+        </p:nvSpPr>
+        <p:spPr>
+          <a:xfrm>
+            <a:off x="7284720" y="2488738"/>
             <a:ext cx="3726180" cy="848496"/>
           </a:xfrm>
           <a:prstGeom prst="rect">
@@ -13022,20 +14462,23 @@
           <a:lstStyle/>
           <a:p>
             <a:pPr algn="ctr"/>
-            <a:endParaRPr lang="fr-FR"/>
+            <a:r>
+              <a:rPr lang="fr-FR" sz="4400" dirty="0"/>
+              <a:t>SPRINT 3</a:t>
+            </a:r>
           </a:p>
         </p:txBody>
       </p:sp>
       <p:sp>
         <p:nvSpPr>
-          <p:cNvPr id="11" name="Rectangle 10"/>
+          <p:cNvPr id="10" name="Rectangle 9"/>
           <p:cNvSpPr/>
           <p:nvPr/>
         </p:nvSpPr>
         <p:spPr>
           <a:xfrm>
-            <a:off x="7284720" y="2489081"/>
-            <a:ext cx="3679115" cy="848496"/>
+            <a:off x="3558540" y="2487485"/>
+            <a:ext cx="3726180" cy="848496"/>
           </a:xfrm>
           <a:prstGeom prst="rect">
             <a:avLst/>
@@ -13065,7 +14508,57 @@
           <a:lstStyle/>
           <a:p>
             <a:pPr algn="ctr"/>
-            <a:endParaRPr lang="fr-FR"/>
+            <a:r>
+              <a:rPr lang="fr-FR" sz="4400" dirty="0"/>
+              <a:t>SPRINT 2</a:t>
+            </a:r>
+          </a:p>
+        </p:txBody>
+      </p:sp>
+      <p:sp>
+        <p:nvSpPr>
+          <p:cNvPr id="6" name="Rectangle 5"/>
+          <p:cNvSpPr/>
+          <p:nvPr/>
+        </p:nvSpPr>
+        <p:spPr>
+          <a:xfrm>
+            <a:off x="-167639" y="2486867"/>
+            <a:ext cx="3726180" cy="848496"/>
+          </a:xfrm>
+          <a:prstGeom prst="rect">
+            <a:avLst/>
+          </a:prstGeom>
+          <a:ln>
+            <a:noFill/>
+          </a:ln>
+        </p:spPr>
+        <p:style>
+          <a:lnRef idx="2">
+            <a:schemeClr val="accent1">
+              <a:shade val="50000"/>
+            </a:schemeClr>
+          </a:lnRef>
+          <a:fillRef idx="1">
+            <a:schemeClr val="accent1"/>
+          </a:fillRef>
+          <a:effectRef idx="0">
+            <a:schemeClr val="accent1"/>
+          </a:effectRef>
+          <a:fontRef idx="minor">
+            <a:schemeClr val="lt1"/>
+          </a:fontRef>
+        </p:style>
+        <p:txBody>
+          <a:bodyPr rtlCol="0" anchor="ctr"/>
+          <a:lstStyle/>
+          <a:p>
+            <a:pPr algn="ctr"/>
+            <a:r>
+              <a:rPr lang="fr-FR" sz="4400" dirty="0" smtClean="0"/>
+              <a:t>SPRINT 1</a:t>
+            </a:r>
+            <a:endParaRPr lang="fr-FR" sz="4400" dirty="0"/>
           </a:p>
         </p:txBody>
       </p:sp>
@@ -13153,7 +14646,7 @@
                             </p:stCondLst>
                             <p:childTnLst>
                               <p:par>
-                                <p:cTn id="10" presetID="22" presetClass="entr" presetSubtype="8" fill="hold" grpId="0" nodeType="clickEffect">
+                                <p:cTn id="10" presetID="22" presetClass="entr" presetSubtype="1" fill="hold" grpId="0" nodeType="clickEffect">
                                   <p:stCondLst>
                                     <p:cond delay="0"/>
                                   </p:stCondLst>
@@ -13166,7 +14659,7 @@
                                           </p:stCondLst>
                                         </p:cTn>
                                         <p:tgtEl>
-                                          <p:spTgt spid="10"/>
+                                          <p:spTgt spid="3"/>
                                         </p:tgtEl>
                                         <p:attrNameLst>
                                           <p:attrName>style.visibility</p:attrName>
@@ -13176,11 +14669,11 @@
                                         <p:strVal val="visible"/>
                                       </p:to>
                                     </p:set>
-                                    <p:animEffect transition="in" filter="wipe(left)">
+                                    <p:animEffect transition="in" filter="wipe(up)">
                                       <p:cBhvr>
                                         <p:cTn id="12" dur="500"/>
                                         <p:tgtEl>
-                                          <p:spTgt spid="10"/>
+                                          <p:spTgt spid="3"/>
                                         </p:tgtEl>
                                       </p:cBhvr>
                                     </p:animEffect>
@@ -13219,7 +14712,7 @@
                                           </p:stCondLst>
                                         </p:cTn>
                                         <p:tgtEl>
-                                          <p:spTgt spid="11"/>
+                                          <p:spTgt spid="10"/>
                                         </p:tgtEl>
                                         <p:attrNameLst>
                                           <p:attrName>style.visibility</p:attrName>
@@ -13233,6 +14726,112 @@
                                       <p:cBhvr>
                                         <p:cTn id="17" dur="500"/>
                                         <p:tgtEl>
+                                          <p:spTgt spid="10"/>
+                                        </p:tgtEl>
+                                      </p:cBhvr>
+                                    </p:animEffect>
+                                  </p:childTnLst>
+                                </p:cTn>
+                              </p:par>
+                            </p:childTnLst>
+                          </p:cTn>
+                        </p:par>
+                      </p:childTnLst>
+                    </p:cTn>
+                  </p:par>
+                  <p:par>
+                    <p:cTn id="18" fill="hold">
+                      <p:stCondLst>
+                        <p:cond delay="indefinite"/>
+                      </p:stCondLst>
+                      <p:childTnLst>
+                        <p:par>
+                          <p:cTn id="19" fill="hold">
+                            <p:stCondLst>
+                              <p:cond delay="0"/>
+                            </p:stCondLst>
+                            <p:childTnLst>
+                              <p:par>
+                                <p:cTn id="20" presetID="22" presetClass="entr" presetSubtype="1" fill="hold" grpId="0" nodeType="clickEffect">
+                                  <p:stCondLst>
+                                    <p:cond delay="0"/>
+                                  </p:stCondLst>
+                                  <p:childTnLst>
+                                    <p:set>
+                                      <p:cBhvr>
+                                        <p:cTn id="21" dur="1" fill="hold">
+                                          <p:stCondLst>
+                                            <p:cond delay="0"/>
+                                          </p:stCondLst>
+                                        </p:cTn>
+                                        <p:tgtEl>
+                                          <p:spTgt spid="12"/>
+                                        </p:tgtEl>
+                                        <p:attrNameLst>
+                                          <p:attrName>style.visibility</p:attrName>
+                                        </p:attrNameLst>
+                                      </p:cBhvr>
+                                      <p:to>
+                                        <p:strVal val="visible"/>
+                                      </p:to>
+                                    </p:set>
+                                    <p:animEffect transition="in" filter="wipe(up)">
+                                      <p:cBhvr>
+                                        <p:cTn id="22" dur="500"/>
+                                        <p:tgtEl>
+                                          <p:spTgt spid="12"/>
+                                        </p:tgtEl>
+                                      </p:cBhvr>
+                                    </p:animEffect>
+                                  </p:childTnLst>
+                                </p:cTn>
+                              </p:par>
+                            </p:childTnLst>
+                          </p:cTn>
+                        </p:par>
+                      </p:childTnLst>
+                    </p:cTn>
+                  </p:par>
+                  <p:par>
+                    <p:cTn id="23" fill="hold">
+                      <p:stCondLst>
+                        <p:cond delay="indefinite"/>
+                      </p:stCondLst>
+                      <p:childTnLst>
+                        <p:par>
+                          <p:cTn id="24" fill="hold">
+                            <p:stCondLst>
+                              <p:cond delay="0"/>
+                            </p:stCondLst>
+                            <p:childTnLst>
+                              <p:par>
+                                <p:cTn id="25" presetID="22" presetClass="entr" presetSubtype="8" fill="hold" grpId="0" nodeType="clickEffect">
+                                  <p:stCondLst>
+                                    <p:cond delay="0"/>
+                                  </p:stCondLst>
+                                  <p:childTnLst>
+                                    <p:set>
+                                      <p:cBhvr>
+                                        <p:cTn id="26" dur="1" fill="hold">
+                                          <p:stCondLst>
+                                            <p:cond delay="0"/>
+                                          </p:stCondLst>
+                                        </p:cTn>
+                                        <p:tgtEl>
+                                          <p:spTgt spid="11"/>
+                                        </p:tgtEl>
+                                        <p:attrNameLst>
+                                          <p:attrName>style.visibility</p:attrName>
+                                        </p:attrNameLst>
+                                      </p:cBhvr>
+                                      <p:to>
+                                        <p:strVal val="visible"/>
+                                      </p:to>
+                                    </p:set>
+                                    <p:animEffect transition="in" filter="wipe(left)">
+                                      <p:cBhvr>
+                                        <p:cTn id="27" dur="500"/>
+                                        <p:tgtEl>
                                           <p:spTgt spid="11"/>
                                         </p:tgtEl>
                                       </p:cBhvr>
@@ -13241,14 +14840,14 @@
                                 </p:cTn>
                               </p:par>
                               <p:par>
-                                <p:cTn id="18" presetID="22" presetClass="entr" presetSubtype="8" fill="hold" grpId="0" nodeType="withEffect">
+                                <p:cTn id="28" presetID="22" presetClass="entr" presetSubtype="8" fill="hold" grpId="0" nodeType="withEffect">
                                   <p:stCondLst>
                                     <p:cond delay="0"/>
                                   </p:stCondLst>
                                   <p:childTnLst>
                                     <p:set>
                                       <p:cBhvr>
-                                        <p:cTn id="19" dur="1" fill="hold">
+                                        <p:cTn id="29" dur="1" fill="hold">
                                           <p:stCondLst>
                                             <p:cond delay="0"/>
                                           </p:stCondLst>
@@ -13266,12 +14865,224 @@
                                     </p:set>
                                     <p:animEffect transition="in" filter="wipe(left)">
                                       <p:cBhvr>
-                                        <p:cTn id="20" dur="500"/>
+                                        <p:cTn id="30" dur="500"/>
                                         <p:tgtEl>
                                           <p:spTgt spid="9"/>
                                         </p:tgtEl>
                                       </p:cBhvr>
                                     </p:animEffect>
+                                  </p:childTnLst>
+                                </p:cTn>
+                              </p:par>
+                            </p:childTnLst>
+                          </p:cTn>
+                        </p:par>
+                      </p:childTnLst>
+                    </p:cTn>
+                  </p:par>
+                  <p:par>
+                    <p:cTn id="31" fill="hold">
+                      <p:stCondLst>
+                        <p:cond delay="indefinite"/>
+                      </p:stCondLst>
+                      <p:childTnLst>
+                        <p:par>
+                          <p:cTn id="32" fill="hold">
+                            <p:stCondLst>
+                              <p:cond delay="0"/>
+                            </p:stCondLst>
+                            <p:childTnLst>
+                              <p:par>
+                                <p:cTn id="33" presetID="22" presetClass="entr" presetSubtype="1" fill="hold" grpId="0" nodeType="clickEffect">
+                                  <p:stCondLst>
+                                    <p:cond delay="0"/>
+                                  </p:stCondLst>
+                                  <p:childTnLst>
+                                    <p:set>
+                                      <p:cBhvr>
+                                        <p:cTn id="34" dur="1" fill="hold">
+                                          <p:stCondLst>
+                                            <p:cond delay="0"/>
+                                          </p:stCondLst>
+                                        </p:cTn>
+                                        <p:tgtEl>
+                                          <p:spTgt spid="13"/>
+                                        </p:tgtEl>
+                                        <p:attrNameLst>
+                                          <p:attrName>style.visibility</p:attrName>
+                                        </p:attrNameLst>
+                                      </p:cBhvr>
+                                      <p:to>
+                                        <p:strVal val="visible"/>
+                                      </p:to>
+                                    </p:set>
+                                    <p:animEffect transition="in" filter="wipe(up)">
+                                      <p:cBhvr>
+                                        <p:cTn id="35" dur="500"/>
+                                        <p:tgtEl>
+                                          <p:spTgt spid="13"/>
+                                        </p:tgtEl>
+                                      </p:cBhvr>
+                                    </p:animEffect>
+                                  </p:childTnLst>
+                                </p:cTn>
+                              </p:par>
+                            </p:childTnLst>
+                          </p:cTn>
+                        </p:par>
+                        <p:par>
+                          <p:cTn id="36" fill="hold">
+                            <p:stCondLst>
+                              <p:cond delay="500"/>
+                            </p:stCondLst>
+                            <p:childTnLst>
+                              <p:par>
+                                <p:cTn id="37" presetID="1" presetClass="exit" presetSubtype="0" fill="hold" grpId="0" nodeType="afterEffect">
+                                  <p:stCondLst>
+                                    <p:cond delay="0"/>
+                                  </p:stCondLst>
+                                  <p:childTnLst>
+                                    <p:set>
+                                      <p:cBhvr>
+                                        <p:cTn id="38" dur="1" fill="hold">
+                                          <p:stCondLst>
+                                            <p:cond delay="0"/>
+                                          </p:stCondLst>
+                                        </p:cTn>
+                                        <p:tgtEl>
+                                          <p:spTgt spid="5"/>
+                                        </p:tgtEl>
+                                        <p:attrNameLst>
+                                          <p:attrName>style.visibility</p:attrName>
+                                        </p:attrNameLst>
+                                      </p:cBhvr>
+                                      <p:to>
+                                        <p:strVal val="hidden"/>
+                                      </p:to>
+                                    </p:set>
+                                  </p:childTnLst>
+                                </p:cTn>
+                              </p:par>
+                            </p:childTnLst>
+                          </p:cTn>
+                        </p:par>
+                      </p:childTnLst>
+                    </p:cTn>
+                  </p:par>
+                  <p:par>
+                    <p:cTn id="39" fill="hold">
+                      <p:stCondLst>
+                        <p:cond delay="indefinite"/>
+                      </p:stCondLst>
+                      <p:childTnLst>
+                        <p:par>
+                          <p:cTn id="40" fill="hold">
+                            <p:stCondLst>
+                              <p:cond delay="0"/>
+                            </p:stCondLst>
+                            <p:childTnLst>
+                              <p:par>
+                                <p:cTn id="41" presetID="22" presetClass="exit" presetSubtype="4" fill="hold" grpId="1" nodeType="clickEffect">
+                                  <p:stCondLst>
+                                    <p:cond delay="0"/>
+                                  </p:stCondLst>
+                                  <p:childTnLst>
+                                    <p:animEffect transition="out" filter="wipe(down)">
+                                      <p:cBhvr>
+                                        <p:cTn id="42" dur="500"/>
+                                        <p:tgtEl>
+                                          <p:spTgt spid="3"/>
+                                        </p:tgtEl>
+                                      </p:cBhvr>
+                                    </p:animEffect>
+                                    <p:set>
+                                      <p:cBhvr>
+                                        <p:cTn id="43" dur="1" fill="hold">
+                                          <p:stCondLst>
+                                            <p:cond delay="499"/>
+                                          </p:stCondLst>
+                                        </p:cTn>
+                                        <p:tgtEl>
+                                          <p:spTgt spid="3"/>
+                                        </p:tgtEl>
+                                        <p:attrNameLst>
+                                          <p:attrName>style.visibility</p:attrName>
+                                        </p:attrNameLst>
+                                      </p:cBhvr>
+                                      <p:to>
+                                        <p:strVal val="hidden"/>
+                                      </p:to>
+                                    </p:set>
+                                  </p:childTnLst>
+                                </p:cTn>
+                              </p:par>
+                              <p:par>
+                                <p:cTn id="44" presetID="22" presetClass="exit" presetSubtype="4" fill="hold" grpId="1" nodeType="withEffect">
+                                  <p:stCondLst>
+                                    <p:cond delay="0"/>
+                                  </p:stCondLst>
+                                  <p:childTnLst>
+                                    <p:animEffect transition="out" filter="wipe(down)">
+                                      <p:cBhvr>
+                                        <p:cTn id="45" dur="500"/>
+                                        <p:tgtEl>
+                                          <p:spTgt spid="12"/>
+                                        </p:tgtEl>
+                                      </p:cBhvr>
+                                    </p:animEffect>
+                                    <p:set>
+                                      <p:cBhvr>
+                                        <p:cTn id="46" dur="1" fill="hold">
+                                          <p:stCondLst>
+                                            <p:cond delay="499"/>
+                                          </p:stCondLst>
+                                        </p:cTn>
+                                        <p:tgtEl>
+                                          <p:spTgt spid="12"/>
+                                        </p:tgtEl>
+                                        <p:attrNameLst>
+                                          <p:attrName>style.visibility</p:attrName>
+                                        </p:attrNameLst>
+                                      </p:cBhvr>
+                                      <p:to>
+                                        <p:strVal val="hidden"/>
+                                      </p:to>
+                                    </p:set>
+                                  </p:childTnLst>
+                                </p:cTn>
+                              </p:par>
+                              <p:par>
+                                <p:cTn id="47" presetID="22" presetClass="exit" presetSubtype="4" fill="hold" grpId="1" nodeType="withEffect">
+                                  <p:stCondLst>
+                                    <p:cond delay="0"/>
+                                  </p:stCondLst>
+                                  <p:childTnLst>
+                                    <p:animEffect transition="out" filter="wipe(down)">
+                                      <p:cBhvr>
+                                        <p:cTn id="48" dur="500"/>
+                                        <p:tgtEl>
+                                          <p:spTgt spid="13"/>
+                                        </p:tgtEl>
+                                      </p:cBhvr>
+                                    </p:animEffect>
+                                    <p:set>
+                                      <p:cBhvr>
+                                        <p:cTn id="49" dur="1" fill="hold">
+                                          <p:stCondLst>
+                                            <p:cond delay="499"/>
+                                          </p:stCondLst>
+                                        </p:cTn>
+                                        <p:tgtEl>
+                                          <p:spTgt spid="13"/>
+                                        </p:tgtEl>
+                                        <p:attrNameLst>
+                                          <p:attrName>style.visibility</p:attrName>
+                                        </p:attrNameLst>
+                                      </p:cBhvr>
+                                      <p:to>
+                                        <p:strVal val="hidden"/>
+                                      </p:to>
+                                    </p:set>
                                   </p:childTnLst>
                                 </p:cTn>
                               </p:par>
@@ -13303,10 +15114,17 @@
       </p:par>
     </p:tnLst>
     <p:bldLst>
+      <p:bldP spid="5" grpId="0" animBg="1"/>
+      <p:bldP spid="9" grpId="0" animBg="1"/>
+      <p:bldP spid="3" grpId="0" animBg="1"/>
+      <p:bldP spid="3" grpId="1" animBg="1"/>
+      <p:bldP spid="12" grpId="0" animBg="1"/>
+      <p:bldP spid="12" grpId="1" animBg="1"/>
+      <p:bldP spid="13" grpId="0" animBg="1"/>
+      <p:bldP spid="13" grpId="1" animBg="1"/>
+      <p:bldP spid="11" grpId="0" animBg="1"/>
+      <p:bldP spid="10" grpId="0" animBg="1"/>
       <p:bldP spid="6" grpId="0" animBg="1"/>
-      <p:bldP spid="9" grpId="0" animBg="1"/>
-      <p:bldP spid="10" grpId="0" animBg="1"/>
-      <p:bldP spid="11" grpId="0" animBg="1"/>
     </p:bldLst>
   </p:timing>
 </p:sld>
